--- a/Slides/Sharda_11e_full_accessible_ppt_08.pptx
+++ b/Slides/Sharda_11e_full_accessible_ppt_08.pptx
@@ -5,10 +5,10 @@
     <p:sldMasterId id="2147483648" r:id="rId1"/>
   </p:sldMasterIdLst>
   <p:notesMasterIdLst>
-    <p:notesMasterId r:id="rId55"/>
+    <p:notesMasterId r:id="rId54"/>
   </p:notesMasterIdLst>
   <p:handoutMasterIdLst>
-    <p:handoutMasterId r:id="rId56"/>
+    <p:handoutMasterId r:id="rId55"/>
   </p:handoutMasterIdLst>
   <p:sldIdLst>
     <p:sldId id="1074" r:id="rId2"/>
@@ -34,36 +34,35 @@
     <p:sldId id="1232" r:id="rId22"/>
     <p:sldId id="1197" r:id="rId23"/>
     <p:sldId id="1223" r:id="rId24"/>
-    <p:sldId id="1198" r:id="rId25"/>
-    <p:sldId id="1199" r:id="rId26"/>
-    <p:sldId id="1200" r:id="rId27"/>
-    <p:sldId id="1201" r:id="rId28"/>
-    <p:sldId id="1202" r:id="rId29"/>
-    <p:sldId id="1203" r:id="rId30"/>
-    <p:sldId id="1224" r:id="rId31"/>
-    <p:sldId id="1225" r:id="rId32"/>
-    <p:sldId id="1204" r:id="rId33"/>
-    <p:sldId id="1205" r:id="rId34"/>
-    <p:sldId id="1206" r:id="rId35"/>
-    <p:sldId id="1207" r:id="rId36"/>
-    <p:sldId id="1208" r:id="rId37"/>
-    <p:sldId id="1209" r:id="rId38"/>
-    <p:sldId id="1210" r:id="rId39"/>
-    <p:sldId id="1211" r:id="rId40"/>
-    <p:sldId id="1212" r:id="rId41"/>
-    <p:sldId id="1213" r:id="rId42"/>
-    <p:sldId id="1227" r:id="rId43"/>
-    <p:sldId id="1214" r:id="rId44"/>
-    <p:sldId id="1228" r:id="rId45"/>
-    <p:sldId id="1215" r:id="rId46"/>
-    <p:sldId id="1216" r:id="rId47"/>
-    <p:sldId id="1229" r:id="rId48"/>
-    <p:sldId id="1217" r:id="rId49"/>
-    <p:sldId id="1218" r:id="rId50"/>
-    <p:sldId id="1231" r:id="rId51"/>
-    <p:sldId id="1234" r:id="rId52"/>
-    <p:sldId id="1219" r:id="rId53"/>
-    <p:sldId id="1165" r:id="rId54"/>
+    <p:sldId id="1199" r:id="rId25"/>
+    <p:sldId id="1200" r:id="rId26"/>
+    <p:sldId id="1201" r:id="rId27"/>
+    <p:sldId id="1202" r:id="rId28"/>
+    <p:sldId id="1203" r:id="rId29"/>
+    <p:sldId id="1224" r:id="rId30"/>
+    <p:sldId id="1225" r:id="rId31"/>
+    <p:sldId id="1204" r:id="rId32"/>
+    <p:sldId id="1205" r:id="rId33"/>
+    <p:sldId id="1206" r:id="rId34"/>
+    <p:sldId id="1207" r:id="rId35"/>
+    <p:sldId id="1208" r:id="rId36"/>
+    <p:sldId id="1209" r:id="rId37"/>
+    <p:sldId id="1210" r:id="rId38"/>
+    <p:sldId id="1211" r:id="rId39"/>
+    <p:sldId id="1212" r:id="rId40"/>
+    <p:sldId id="1213" r:id="rId41"/>
+    <p:sldId id="1227" r:id="rId42"/>
+    <p:sldId id="1214" r:id="rId43"/>
+    <p:sldId id="1228" r:id="rId44"/>
+    <p:sldId id="1215" r:id="rId45"/>
+    <p:sldId id="1216" r:id="rId46"/>
+    <p:sldId id="1229" r:id="rId47"/>
+    <p:sldId id="1217" r:id="rId48"/>
+    <p:sldId id="1218" r:id="rId49"/>
+    <p:sldId id="1231" r:id="rId50"/>
+    <p:sldId id="1234" r:id="rId51"/>
+    <p:sldId id="1219" r:id="rId52"/>
+    <p:sldId id="1165" r:id="rId53"/>
   </p:sldIdLst>
   <p:sldSz cx="9144000" cy="6858000" type="screen4x3"/>
   <p:notesSz cx="6858000" cy="9144000"/>
@@ -328,7 +327,7 @@
           <a:p>
             <a:fld id="{8D8D874E-E9D5-433B-A149-BDF6BFDD40A8}" type="datetimeFigureOut">
               <a:rPr lang="en-US" smtClean="0"/>
-              <a:t>11/29/21</a:t>
+              <a:t>12/14/21</a:t>
             </a:fld>
             <a:endParaRPr lang="en-US" dirty="0"/>
           </a:p>
@@ -493,7 +492,7 @@
           <a:p>
             <a:fld id="{EA051F04-9E25-42C3-8BC5-EC2E8469D95E}" type="datetimeFigureOut">
               <a:rPr lang="en-US" smtClean="0"/>
-              <a:t>11/29/21</a:t>
+              <a:t>12/14/21</a:t>
             </a:fld>
             <a:endParaRPr lang="en-US" dirty="0"/>
           </a:p>
@@ -4998,93 +4997,6 @@
 </p:notes>
 </file>
 
-<file path=ppt/notesSlides/notesSlide52.xml><?xml version="1.0" encoding="utf-8"?>
-<p:notes xmlns:a="http://schemas.openxmlformats.org/drawingml/2006/main" xmlns:r="http://schemas.openxmlformats.org/officeDocument/2006/relationships" xmlns:p="http://schemas.openxmlformats.org/presentationml/2006/main">
-  <p:cSld>
-    <p:spTree>
-      <p:nvGrpSpPr>
-        <p:cNvPr id="1" name=""/>
-        <p:cNvGrpSpPr/>
-        <p:nvPr/>
-      </p:nvGrpSpPr>
-      <p:grpSpPr>
-        <a:xfrm>
-          <a:off x="0" y="0"/>
-          <a:ext cx="0" cy="0"/>
-          <a:chOff x="0" y="0"/>
-          <a:chExt cx="0" cy="0"/>
-        </a:xfrm>
-      </p:grpSpPr>
-      <p:sp>
-        <p:nvSpPr>
-          <p:cNvPr id="2" name="Slide Image Placeholder 1"/>
-          <p:cNvSpPr>
-            <a:spLocks noGrp="1" noRot="1" noChangeAspect="1"/>
-          </p:cNvSpPr>
-          <p:nvPr>
-            <p:ph type="sldImg"/>
-          </p:nvPr>
-        </p:nvSpPr>
-        <p:spPr/>
-      </p:sp>
-      <p:sp>
-        <p:nvSpPr>
-          <p:cNvPr id="3" name="Notes Placeholder 2"/>
-          <p:cNvSpPr>
-            <a:spLocks noGrp="1"/>
-          </p:cNvSpPr>
-          <p:nvPr>
-            <p:ph type="body" idx="1"/>
-          </p:nvPr>
-        </p:nvSpPr>
-        <p:spPr/>
-        <p:txBody>
-          <a:bodyPr/>
-          <a:lstStyle/>
-          <a:p>
-            <a:pPr defTabSz="931774">
-              <a:defRPr/>
-            </a:pPr>
-            <a:endParaRPr lang="en-US" dirty="0"/>
-          </a:p>
-        </p:txBody>
-      </p:sp>
-      <p:sp>
-        <p:nvSpPr>
-          <p:cNvPr id="4" name="Slide Number Placeholder 3"/>
-          <p:cNvSpPr>
-            <a:spLocks noGrp="1"/>
-          </p:cNvSpPr>
-          <p:nvPr>
-            <p:ph type="sldNum" sz="quarter" idx="10"/>
-          </p:nvPr>
-        </p:nvSpPr>
-        <p:spPr/>
-        <p:txBody>
-          <a:bodyPr/>
-          <a:lstStyle/>
-          <a:p>
-            <a:fld id="{A73D6722-9B4D-4E29-B226-C325925A8118}" type="slidenum">
-              <a:rPr lang="en-US" smtClean="0"/>
-              <a:t>52</a:t>
-            </a:fld>
-            <a:endParaRPr lang="en-US" dirty="0"/>
-          </a:p>
-        </p:txBody>
-      </p:sp>
-    </p:spTree>
-    <p:extLst>
-      <p:ext uri="{BB962C8B-B14F-4D97-AF65-F5344CB8AC3E}">
-        <p14:creationId xmlns:p14="http://schemas.microsoft.com/office/powerpoint/2010/main" val="2124979669"/>
-      </p:ext>
-    </p:extLst>
-  </p:cSld>
-  <p:clrMapOvr>
-    <a:masterClrMapping/>
-  </p:clrMapOvr>
-</p:notes>
-</file>
-
 <file path=ppt/notesSlides/notesSlide6.xml><?xml version="1.0" encoding="utf-8"?>
 <p:notes xmlns:a="http://schemas.openxmlformats.org/drawingml/2006/main" xmlns:r="http://schemas.openxmlformats.org/officeDocument/2006/relationships" xmlns:p="http://schemas.openxmlformats.org/presentationml/2006/main">
   <p:cSld>
@@ -5697,7 +5609,7 @@
           <a:p>
             <a:fld id="{A9DF6EFB-3F44-496C-A842-1E0B3D3B975A}" type="datetimeFigureOut">
               <a:rPr lang="en-US" smtClean="0"/>
-              <a:t>11/29/21</a:t>
+              <a:t>12/14/21</a:t>
             </a:fld>
             <a:endParaRPr lang="en-US" dirty="0"/>
           </a:p>
@@ -6065,7 +5977,7 @@
           <a:p>
             <a:fld id="{A9DF6EFB-3F44-496C-A842-1E0B3D3B975A}" type="datetimeFigureOut">
               <a:rPr lang="en-US" smtClean="0"/>
-              <a:t>11/29/21</a:t>
+              <a:t>12/14/21</a:t>
             </a:fld>
             <a:endParaRPr lang="en-US" dirty="0"/>
           </a:p>
@@ -6412,7 +6324,7 @@
           <a:p>
             <a:fld id="{A9DF6EFB-3F44-496C-A842-1E0B3D3B975A}" type="datetimeFigureOut">
               <a:rPr lang="en-US" smtClean="0"/>
-              <a:t>11/29/21</a:t>
+              <a:t>12/14/21</a:t>
             </a:fld>
             <a:endParaRPr lang="en-US" dirty="0"/>
           </a:p>
@@ -6755,7 +6667,7 @@
           <a:p>
             <a:fld id="{A9DF6EFB-3F44-496C-A842-1E0B3D3B975A}" type="datetimeFigureOut">
               <a:rPr lang="en-US" smtClean="0"/>
-              <a:t>11/29/21</a:t>
+              <a:t>12/14/21</a:t>
             </a:fld>
             <a:endParaRPr lang="en-US" dirty="0"/>
           </a:p>
@@ -6877,7 +6789,7 @@
           <a:p>
             <a:fld id="{A9DF6EFB-3F44-496C-A842-1E0B3D3B975A}" type="datetimeFigureOut">
               <a:rPr lang="en-US" smtClean="0"/>
-              <a:t>11/29/21</a:t>
+              <a:t>12/14/21</a:t>
             </a:fld>
             <a:endParaRPr lang="en-US" dirty="0"/>
           </a:p>
@@ -6986,7 +6898,7 @@
             <a:fld id="{A9DF6EFB-3F44-496C-A842-1E0B3D3B975A}" type="datetimeFigureOut">
               <a:rPr lang="en-US" smtClean="0"/>
               <a:pPr/>
-              <a:t>11/29/21</a:t>
+              <a:t>12/14/21</a:t>
             </a:fld>
             <a:endParaRPr lang="en-US" dirty="0"/>
           </a:p>
@@ -7982,7 +7894,7 @@
             <a:fld id="{A9DF6EFB-3F44-496C-A842-1E0B3D3B975A}" type="datetimeFigureOut">
               <a:rPr lang="en-US" smtClean="0"/>
               <a:pPr/>
-              <a:t>11/29/21</a:t>
+              <a:t>12/14/21</a:t>
             </a:fld>
             <a:endParaRPr lang="en-US" dirty="0"/>
           </a:p>
@@ -8371,7 +8283,7 @@
             <a:fld id="{A9DF6EFB-3F44-496C-A842-1E0B3D3B975A}" type="datetimeFigureOut">
               <a:rPr lang="en-US" smtClean="0"/>
               <a:pPr/>
-              <a:t>11/29/21</a:t>
+              <a:t>12/14/21</a:t>
             </a:fld>
             <a:endParaRPr lang="en-US" dirty="0"/>
           </a:p>
@@ -8641,7 +8553,7 @@
             <a:fld id="{A9DF6EFB-3F44-496C-A842-1E0B3D3B975A}" type="datetimeFigureOut">
               <a:rPr lang="en-US" smtClean="0"/>
               <a:pPr/>
-              <a:t>11/29/21</a:t>
+              <a:t>12/14/21</a:t>
             </a:fld>
             <a:endParaRPr lang="en-US" dirty="0"/>
           </a:p>
@@ -8904,7 +8816,7 @@
           <a:p>
             <a:fld id="{A9DF6EFB-3F44-496C-A842-1E0B3D3B975A}" type="datetimeFigureOut">
               <a:rPr lang="en-US" smtClean="0"/>
-              <a:t>11/29/21</a:t>
+              <a:t>12/14/21</a:t>
             </a:fld>
             <a:endParaRPr lang="en-US" dirty="0"/>
           </a:p>
@@ -9140,7 +9052,7 @@
             <a:fld id="{A9DF6EFB-3F44-496C-A842-1E0B3D3B975A}" type="datetimeFigureOut">
               <a:rPr lang="en-US" smtClean="0"/>
               <a:pPr/>
-              <a:t>11/29/21</a:t>
+              <a:t>12/14/21</a:t>
             </a:fld>
             <a:endParaRPr lang="en-US" dirty="0"/>
           </a:p>
@@ -9517,7 +9429,7 @@
           <a:p>
             <a:fld id="{A9DF6EFB-3F44-496C-A842-1E0B3D3B975A}" type="datetimeFigureOut">
               <a:rPr lang="en-US" smtClean="0"/>
-              <a:t>11/29/21</a:t>
+              <a:t>12/14/21</a:t>
             </a:fld>
             <a:endParaRPr lang="en-US" dirty="0"/>
           </a:p>
@@ -10143,7 +10055,7 @@
           <a:p>
             <a:fld id="{A9DF6EFB-3F44-496C-A842-1E0B3D3B975A}" type="datetimeFigureOut">
               <a:rPr lang="en-US" smtClean="0"/>
-              <a:t>11/29/21</a:t>
+              <a:t>12/14/21</a:t>
             </a:fld>
             <a:endParaRPr lang="en-US" dirty="0"/>
           </a:p>
@@ -11273,7 +11185,7 @@
           <a:p>
             <a:fld id="{A9DF6EFB-3F44-496C-A842-1E0B3D3B975A}" type="datetimeFigureOut">
               <a:rPr lang="en-US" smtClean="0"/>
-              <a:t>11/29/21</a:t>
+              <a:t>12/14/21</a:t>
             </a:fld>
             <a:endParaRPr lang="en-US" dirty="0"/>
           </a:p>
@@ -11534,7 +11446,7 @@
             <a:fld id="{A9DF6EFB-3F44-496C-A842-1E0B3D3B975A}" type="datetimeFigureOut">
               <a:rPr lang="en-US" smtClean="0"/>
               <a:pPr/>
-              <a:t>11/29/21</a:t>
+              <a:t>12/14/21</a:t>
             </a:fld>
             <a:endParaRPr lang="en-US" dirty="0"/>
           </a:p>
@@ -15374,7 +15286,7 @@
           <a:graphicData uri="http://schemas.openxmlformats.org/presentationml/2006/ole">
             <mc:AlternateContent xmlns:mc="http://schemas.openxmlformats.org/markup-compatibility/2006">
               <mc:Choice xmlns:v="urn:schemas-microsoft-com:vml" Requires="v">
-                <p:oleObj spid="_x0000_s6216" name="Equation" r:id="rId5" imgW="2006280" imgH="419040" progId="Equation.DSMT4">
+                <p:oleObj spid="_x0000_s6217" name="Equation" r:id="rId5" imgW="2006280" imgH="419040" progId="Equation.DSMT4">
                   <p:embed/>
                 </p:oleObj>
               </mc:Choice>
@@ -16167,7 +16079,7 @@
           <a:graphicData uri="http://schemas.openxmlformats.org/presentationml/2006/ole">
             <mc:AlternateContent xmlns:mc="http://schemas.openxmlformats.org/markup-compatibility/2006">
               <mc:Choice xmlns:v="urn:schemas-microsoft-com:vml" Requires="v">
-                <p:oleObj spid="_x0000_s5302" name="Equation" r:id="rId5" imgW="1079280" imgH="672840" progId="Equation.DSMT4">
+                <p:oleObj spid="_x0000_s5303" name="Equation" r:id="rId5" imgW="1079280" imgH="672840" progId="Equation.DSMT4">
                   <p:embed/>
                 </p:oleObj>
               </mc:Choice>
@@ -17731,8 +17643,8 @@
         </p:nvSpPr>
         <p:spPr>
           <a:xfrm>
-            <a:off x="457200" y="76200"/>
-            <a:ext cx="8153400" cy="1097280"/>
+            <a:off x="457200" y="66675"/>
+            <a:ext cx="8153400" cy="553998"/>
           </a:xfrm>
         </p:spPr>
         <p:txBody>
@@ -17745,25 +17657,7 @@
               <a:rPr lang="en-IN" sz="3600" dirty="0">
                 <a:latin typeface="+mj-lt"/>
               </a:rPr>
-              <a:t>Illustrating the Power of </a:t>
-            </a:r>
-            <a:r>
-              <a:rPr lang="en-IN" sz="3600" dirty="0" err="1">
-                <a:latin typeface="+mj-lt"/>
-              </a:rPr>
-              <a:t>Spreadsheet</a:t>
-            </a:r>
-            <a:r>
-              <a:rPr lang="en-IN" sz="3600" dirty="0">
-                <a:latin typeface="+mj-lt"/>
-              </a:rPr>
-              <a:t> </a:t>
-            </a:r>
-            <a:r>
-              <a:rPr lang="en-IN" sz="3600" dirty="0" err="1">
-                <a:latin typeface="+mj-lt"/>
-              </a:rPr>
-              <a:t>Modeling</a:t>
+              <a:t>Common Optimization Models</a:t>
             </a:r>
             <a:endParaRPr lang="en-US" sz="3600" dirty="0">
               <a:latin typeface="+mj-lt"/>
@@ -17773,18 +17667,18 @@
       </p:sp>
       <p:sp>
         <p:nvSpPr>
-          <p:cNvPr id="6" name="Content Placeholder 5"/>
-          <p:cNvSpPr>
-            <a:spLocks noGrp="1"/>
-          </p:cNvSpPr>
-          <p:nvPr>
-            <p:ph idx="1"/>
+          <p:cNvPr id="5" name="Content Placeholder 4"/>
+          <p:cNvSpPr>
+            <a:spLocks noGrp="1"/>
+          </p:cNvSpPr>
+          <p:nvPr>
+            <p:ph idx="13"/>
           </p:nvPr>
         </p:nvSpPr>
         <p:spPr>
           <a:xfrm>
-            <a:off x="457200" y="1307068"/>
-            <a:ext cx="8153400" cy="369332"/>
+            <a:off x="457200" y="762000"/>
+            <a:ext cx="8153400" cy="5424562"/>
           </a:xfrm>
         </p:spPr>
         <p:txBody>
@@ -17793,85 +17687,63 @@
           </a:bodyPr>
           <a:lstStyle/>
           <a:p>
-            <a:pPr marL="285750" indent="-285750"/>
             <a:r>
               <a:rPr lang="en-US" sz="2400" dirty="0"/>
-              <a:t>Election Resource Allocation Problem</a:t>
-            </a:r>
-          </a:p>
-        </p:txBody>
-      </p:sp>
-      <p:pic>
-        <p:nvPicPr>
-          <p:cNvPr id="9218" name="Picture 2" descr="Table 1 lists some values under the headings State, Electoral Votes, W slash E, N slash S, and Influence Function. The details for each state are as follows:&#10;• State: N V&#10;• Electoral Votes: 6&#10;• W slash E: West&#10;• N slash S: Blank&#10;• Influence Function: F1&#10;• State: C O&#10;• Electoral Votes: 9&#10;• W slash E: West&#10;• N slash S: Blank&#10;• Influence Function: F2&#10;• State: I A&#10;• Electoral Votes: 6&#10;• W slash E: West&#10;• N slash S: North&#10;• Influence Function: F3&#10;• State: W I&#10;• Electoral Votes: 10&#10;• W slash E: West&#10;• N slash S: North&#10;• Influence Function: F1&#10;• State: O H&#10;• Electoral Votes: 18&#10;• W slash E: East&#10;• N slash S: North&#10;• Influence Function: F2&#10;• State: V A&#10;• Electoral Votes: 13&#10;• W slash E: East&#10;• N slash S: South&#10;• Influence Function: F2&#10;• State: N C&#10;• Electoral Votes: 15&#10;• W slash E: East&#10;• N slash S: South&#10;• Influence Function: F1&#10;• State: F L&#10;• Electoral Votes: 29&#10;• W slash E: East&#10;• N slash S: South&#10;• Influence Function: F3&#10;• State: N H&#10;• Electoral Votes: 4&#10;• W slash E: East&#10;• N slash S: Blank&#10;• Influence Function: F3&#10;Table 2 shows the categories Men and Women under the column heading F1. It lists the following values under the column headings Young and Old:&#10;• Men: &#10;• Young: 3&#10;• Old: 1&#10;• Total: 4&#10;• Women: &#10;• Young: 3&#10;• Old: 3&#10;• Total: 6&#10;• Totals: &#10;• Young: 6&#10;• Old: 4&#10;• Total: 10&#10;Table 3 shows the categories Men and Women under the column heading F2. It lists the following values under the column headings Young and Old:&#10;• Men: &#10;• Young: 1.5&#10;• Old: 2.5&#10;• Total: 4&#10;• Women: &#10;• Young: 2.5&#10;• Old: 1&#10;• Total: 3.5&#10;• Totals: &#10;• Young: 4&#10;• Old: 3.5&#10;• Total: 7.5&#10;Table 3 shows the categories Men and Women under the column heading F3. It lists the following values under the column headings Young and Old:&#10;• Men: &#10;• Young: 2.5&#10;• Old: 2.5&#10;• Total: 5&#10;• Women: &#10;• Young: 1&#10;• Old: 2&#10;• Total: 3&#10;• Totals: &#10;• Young: 3.5&#10;• Old: 4.5&#10;• Total: 8&#10;"/>
-          <p:cNvPicPr>
-            <a:picLocks noChangeAspect="1" noChangeArrowheads="1"/>
-          </p:cNvPicPr>
-          <p:nvPr/>
-        </p:nvPicPr>
-        <p:blipFill rotWithShape="1">
-          <a:blip r:embed="rId3">
-            <a:extLst>
-              <a:ext uri="{28A0092B-C50C-407E-A947-70E740481C1C}">
-                <a14:useLocalDpi xmlns:a14="http://schemas.microsoft.com/office/drawing/2010/main" val="0"/>
-              </a:ext>
-            </a:extLst>
-          </a:blip>
-          <a:srcRect b="3817"/>
-          <a:stretch/>
-        </p:blipFill>
-        <p:spPr bwMode="auto">
-          <a:xfrm>
-            <a:off x="2518480" y="1771870"/>
-            <a:ext cx="4096325" cy="4100111"/>
-          </a:xfrm>
-          <a:prstGeom prst="rect">
-            <a:avLst/>
-          </a:prstGeom>
-          <a:noFill/>
-          <a:extLst>
-            <a:ext uri="{909E8E84-426E-40DD-AFC4-6F175D3DCCD1}">
-              <a14:hiddenFill xmlns:a14="http://schemas.microsoft.com/office/drawing/2010/main">
-                <a:solidFill>
-                  <a:srgbClr val="FFFFFF"/>
-                </a:solidFill>
-              </a14:hiddenFill>
-            </a:ext>
-          </a:extLst>
-        </p:spPr>
-      </p:pic>
-      <p:sp>
-        <p:nvSpPr>
-          <p:cNvPr id="7" name="Content Placeholder 6"/>
-          <p:cNvSpPr>
-            <a:spLocks noGrp="1"/>
-          </p:cNvSpPr>
-          <p:nvPr>
-            <p:ph idx="13"/>
-          </p:nvPr>
-        </p:nvSpPr>
-        <p:spPr>
-          <a:xfrm>
-            <a:off x="457200" y="5936218"/>
-            <a:ext cx="8153400" cy="369332"/>
-          </a:xfrm>
-        </p:spPr>
-        <p:txBody>
-          <a:bodyPr wrap="square">
-            <a:spAutoFit/>
-          </a:bodyPr>
-          <a:lstStyle/>
-          <a:p>
-            <a:pPr marL="0" indent="0">
-              <a:buNone/>
-            </a:pPr>
-            <a:r>
-              <a:rPr lang="en-US" sz="2400" dirty="0">
-                <a:solidFill>
-                  <a:schemeClr val="bg2"/>
-                </a:solidFill>
-              </a:rPr>
-              <a:t>Analysis of “swing states” for the 2012 election…</a:t>
+              <a:t>Assignment (best matching of objects)</a:t>
+            </a:r>
+          </a:p>
+          <a:p>
+            <a:r>
+              <a:rPr lang="en-US" sz="2400" dirty="0"/>
+              <a:t>Dynamic programming</a:t>
+            </a:r>
+          </a:p>
+          <a:p>
+            <a:r>
+              <a:rPr lang="en-US" sz="2400" dirty="0"/>
+              <a:t>Goal programming</a:t>
+            </a:r>
+          </a:p>
+          <a:p>
+            <a:r>
+              <a:rPr lang="en-US" sz="2400" dirty="0"/>
+              <a:t>Investment (maximizing rate of return)</a:t>
+            </a:r>
+          </a:p>
+          <a:p>
+            <a:r>
+              <a:rPr lang="en-US" sz="2400" dirty="0"/>
+              <a:t>Linear and integer programming</a:t>
+            </a:r>
+          </a:p>
+          <a:p>
+            <a:r>
+              <a:rPr lang="en-US" sz="2400" dirty="0"/>
+              <a:t>Network models for planning and scheduling</a:t>
+            </a:r>
+          </a:p>
+          <a:p>
+            <a:r>
+              <a:rPr lang="en-US" sz="2400" dirty="0"/>
+              <a:t>Nonlinear programming</a:t>
+            </a:r>
+          </a:p>
+          <a:p>
+            <a:r>
+              <a:rPr lang="en-US" sz="2400" dirty="0"/>
+              <a:t>Replacement (capital budgeting)</a:t>
+            </a:r>
+          </a:p>
+          <a:p>
+            <a:r>
+              <a:rPr lang="en-US" sz="2400" dirty="0"/>
+              <a:t>Simple inventory models (e.g., economic order quantity)</a:t>
+            </a:r>
+          </a:p>
+          <a:p>
+            <a:r>
+              <a:rPr lang="en-US" sz="2400" dirty="0"/>
+              <a:t>Transportation (minimize cost of shipments)</a:t>
             </a:r>
           </a:p>
         </p:txBody>
@@ -17918,8 +17790,8 @@
         </p:nvSpPr>
         <p:spPr>
           <a:xfrm>
-            <a:off x="457200" y="66675"/>
-            <a:ext cx="8153400" cy="553998"/>
+            <a:off x="457200" y="57150"/>
+            <a:ext cx="8153400" cy="1538883"/>
           </a:xfrm>
         </p:spPr>
         <p:txBody>
@@ -17932,11 +17804,14 @@
               <a:rPr lang="en-IN" sz="3600" dirty="0">
                 <a:latin typeface="+mj-lt"/>
               </a:rPr>
-              <a:t>Common Optimization Models</a:t>
-            </a:r>
-            <a:endParaRPr lang="en-US" sz="3600" dirty="0">
-              <a:latin typeface="+mj-lt"/>
-            </a:endParaRPr>
+              <a:t>Multiple Goals, Sensitivity Analysis, What-If Analysis, and Goal Seeking  </a:t>
+            </a:r>
+            <a:r>
+              <a:rPr lang="en-US" sz="2800" dirty="0">
+                <a:latin typeface="+mj-lt"/>
+              </a:rPr>
+              <a:t>(1 of 6)</a:t>
+            </a:r>
           </a:p>
         </p:txBody>
       </p:sp>
@@ -17952,8 +17827,8 @@
         </p:nvSpPr>
         <p:spPr>
           <a:xfrm>
-            <a:off x="457200" y="762000"/>
-            <a:ext cx="8153400" cy="5424562"/>
+            <a:off x="457200" y="1752600"/>
+            <a:ext cx="8153400" cy="4308872"/>
           </a:xfrm>
         </p:spPr>
         <p:txBody>
@@ -17963,62 +17838,72 @@
           <a:lstStyle/>
           <a:p>
             <a:r>
-              <a:rPr lang="en-US" sz="2400" dirty="0"/>
-              <a:t>Assignment (best matching of objects)</a:t>
-            </a:r>
-          </a:p>
-          <a:p>
-            <a:r>
-              <a:rPr lang="en-US" sz="2400" dirty="0"/>
-              <a:t>Dynamic programming</a:t>
-            </a:r>
-          </a:p>
-          <a:p>
-            <a:r>
-              <a:rPr lang="en-US" sz="2400" dirty="0"/>
+              <a:rPr lang="en-IN" sz="2400" dirty="0"/>
+              <a:t>Multiple Goals</a:t>
+            </a:r>
+          </a:p>
+          <a:p>
+            <a:pPr marL="790575" lvl="1" indent="-342900"/>
+            <a:r>
+              <a:rPr lang="en-IN" sz="2400" dirty="0"/>
+              <a:t>Simple-goal vs. multiple goals</a:t>
+            </a:r>
+          </a:p>
+          <a:p>
+            <a:pPr marL="790575" lvl="1" indent="-342900"/>
+            <a:r>
+              <a:rPr lang="en-IN" sz="2400" dirty="0"/>
+              <a:t>Vast majority of managerial problems has multiple goals (objectives) to achieve</a:t>
+            </a:r>
+          </a:p>
+          <a:p>
+            <a:pPr marL="1238250" lvl="2" indent="-342900"/>
+            <a:r>
+              <a:rPr lang="en-IN" sz="2400" dirty="0"/>
+              <a:t>Attaining simultaneous goals</a:t>
+            </a:r>
+          </a:p>
+          <a:p>
+            <a:pPr marL="790575" lvl="1" indent="-342900"/>
+            <a:r>
+              <a:rPr lang="en-IN" sz="2400" dirty="0"/>
+              <a:t>Methods of handling multiple goals</a:t>
+            </a:r>
+          </a:p>
+          <a:p>
+            <a:pPr marL="1238250" lvl="2" indent="-342900"/>
+            <a:r>
+              <a:rPr lang="en-IN" sz="2400" dirty="0"/>
+              <a:t>Utility theory</a:t>
+            </a:r>
+          </a:p>
+          <a:p>
+            <a:pPr marL="1238250" lvl="2" indent="-342900"/>
+            <a:r>
+              <a:rPr lang="en-IN" sz="2400" dirty="0"/>
               <a:t>Goal programming</a:t>
             </a:r>
           </a:p>
           <a:p>
-            <a:r>
-              <a:rPr lang="en-US" sz="2400" dirty="0"/>
-              <a:t>Investment (maximizing rate of return)</a:t>
-            </a:r>
-          </a:p>
-          <a:p>
-            <a:r>
-              <a:rPr lang="en-US" sz="2400" dirty="0"/>
-              <a:t>Linear and integer programming</a:t>
-            </a:r>
-          </a:p>
-          <a:p>
-            <a:r>
-              <a:rPr lang="en-US" sz="2400" dirty="0"/>
-              <a:t>Network models for planning and scheduling</a:t>
-            </a:r>
-          </a:p>
-          <a:p>
-            <a:r>
-              <a:rPr lang="en-US" sz="2400" dirty="0"/>
-              <a:t>Nonlinear programming</a:t>
-            </a:r>
-          </a:p>
-          <a:p>
-            <a:r>
-              <a:rPr lang="en-US" sz="2400" dirty="0"/>
-              <a:t>Replacement (capital budgeting)</a:t>
-            </a:r>
-          </a:p>
-          <a:p>
-            <a:r>
-              <a:rPr lang="en-US" sz="2400" dirty="0"/>
-              <a:t>Simple inventory models (e.g., economic order quantity)</a:t>
-            </a:r>
-          </a:p>
-          <a:p>
-            <a:r>
-              <a:rPr lang="en-US" sz="2400" dirty="0"/>
-              <a:t>Transportation (minimize cost of shipments)</a:t>
+            <a:pPr marL="1238250" lvl="2" indent="-342900"/>
+            <a:r>
+              <a:rPr lang="en-IN" sz="2400" dirty="0"/>
+              <a:t>Expression of goals as constraints, using </a:t>
+            </a:r>
+            <a:r>
+              <a:rPr lang="en-IN" sz="2400" spc="-300" dirty="0"/>
+              <a:t>L </a:t>
+            </a:r>
+            <a:r>
+              <a:rPr lang="en-IN" sz="2400" dirty="0"/>
+              <a:t>P</a:t>
+            </a:r>
+          </a:p>
+          <a:p>
+            <a:pPr marL="1238250" lvl="2" indent="-342900"/>
+            <a:r>
+              <a:rPr lang="en-IN" sz="2400" dirty="0"/>
+              <a:t>A points system</a:t>
             </a:r>
           </a:p>
         </p:txBody>
@@ -18085,7 +17970,7 @@
               <a:rPr lang="en-US" sz="2800" dirty="0">
                 <a:latin typeface="+mj-lt"/>
               </a:rPr>
-              <a:t>(1 of 6)</a:t>
+              <a:t>(2 of 6)</a:t>
             </a:r>
           </a:p>
         </p:txBody>
@@ -18103,7 +17988,7 @@
         <p:spPr>
           <a:xfrm>
             <a:off x="457200" y="1752600"/>
-            <a:ext cx="8153400" cy="4308872"/>
+            <a:ext cx="8153400" cy="3862596"/>
           </a:xfrm>
         </p:spPr>
         <p:txBody>
@@ -18113,72 +17998,57 @@
           <a:lstStyle/>
           <a:p>
             <a:r>
-              <a:rPr lang="en-IN" sz="2400" dirty="0"/>
-              <a:t>Multiple Goals</a:t>
-            </a:r>
-          </a:p>
-          <a:p>
-            <a:pPr marL="790575" lvl="1" indent="-342900"/>
-            <a:r>
-              <a:rPr lang="en-IN" sz="2400" dirty="0"/>
-              <a:t>Simple-goal vs. multiple goals</a:t>
-            </a:r>
-          </a:p>
-          <a:p>
-            <a:pPr marL="790575" lvl="1" indent="-342900"/>
-            <a:r>
-              <a:rPr lang="en-IN" sz="2400" dirty="0"/>
-              <a:t>Vast majority of managerial problems has multiple goals (objectives) to achieve</a:t>
-            </a:r>
-          </a:p>
-          <a:p>
-            <a:pPr marL="1238250" lvl="2" indent="-342900"/>
-            <a:r>
-              <a:rPr lang="en-IN" sz="2400" dirty="0"/>
-              <a:t>Attaining simultaneous goals</a:t>
-            </a:r>
-          </a:p>
-          <a:p>
-            <a:pPr marL="790575" lvl="1" indent="-342900"/>
-            <a:r>
-              <a:rPr lang="en-IN" sz="2400" dirty="0"/>
-              <a:t>Methods of handling multiple goals</a:t>
-            </a:r>
-          </a:p>
-          <a:p>
-            <a:pPr marL="1238250" lvl="2" indent="-342900"/>
-            <a:r>
-              <a:rPr lang="en-IN" sz="2400" dirty="0"/>
-              <a:t>Utility theory</a:t>
-            </a:r>
-          </a:p>
-          <a:p>
-            <a:pPr marL="1238250" lvl="2" indent="-342900"/>
-            <a:r>
-              <a:rPr lang="en-IN" sz="2400" dirty="0"/>
-              <a:t>Goal programming</a:t>
-            </a:r>
-          </a:p>
-          <a:p>
-            <a:pPr marL="1238250" lvl="2" indent="-342900"/>
-            <a:r>
-              <a:rPr lang="en-IN" sz="2400" dirty="0"/>
-              <a:t>Expression of goals as constraints, using </a:t>
-            </a:r>
-            <a:r>
-              <a:rPr lang="en-IN" sz="2400" spc="-300" dirty="0"/>
-              <a:t>L </a:t>
-            </a:r>
-            <a:r>
-              <a:rPr lang="en-IN" sz="2400" dirty="0"/>
-              <a:t>P</a:t>
-            </a:r>
-          </a:p>
-          <a:p>
-            <a:pPr marL="1238250" lvl="2" indent="-342900"/>
-            <a:r>
-              <a:rPr lang="en-IN" sz="2400" dirty="0"/>
-              <a:t>A points system</a:t>
+              <a:rPr lang="en-US" sz="2400" dirty="0"/>
+              <a:t>Certain difficulties may arise when analyzing multiple goals</a:t>
+            </a:r>
+          </a:p>
+          <a:p>
+            <a:pPr marL="828675" lvl="1" indent="-342900"/>
+            <a:r>
+              <a:rPr lang="en-US" sz="2400" dirty="0"/>
+              <a:t>Difficult to obtain a single organizational goal</a:t>
+            </a:r>
+          </a:p>
+          <a:p>
+            <a:pPr marL="828675" lvl="1" indent="-342900"/>
+            <a:r>
+              <a:rPr lang="en-US" sz="2400" dirty="0"/>
+              <a:t>The importance of goals change over time</a:t>
+            </a:r>
+          </a:p>
+          <a:p>
+            <a:pPr marL="828675" lvl="1" indent="-342900"/>
+            <a:r>
+              <a:rPr lang="en-US" sz="2400" dirty="0"/>
+              <a:t>Goals and sub-goals are viewed differently</a:t>
+            </a:r>
+          </a:p>
+          <a:p>
+            <a:pPr marL="828675" lvl="1" indent="-342900"/>
+            <a:r>
+              <a:rPr lang="en-US" sz="2400" dirty="0"/>
+              <a:t>Goals change in response to other changes</a:t>
+            </a:r>
+          </a:p>
+          <a:p>
+            <a:pPr marL="828675" lvl="1" indent="-342900"/>
+            <a:r>
+              <a:rPr lang="en-US" sz="2400" dirty="0"/>
+              <a:t>Dynamics of groups of decision makers</a:t>
+            </a:r>
+          </a:p>
+          <a:p>
+            <a:pPr marL="828675" lvl="1" indent="-342900"/>
+            <a:r>
+              <a:rPr lang="en-US" sz="2400" dirty="0"/>
+              <a:t>Assessing the importance (priorities)</a:t>
+            </a:r>
+          </a:p>
+          <a:p>
+            <a:pPr marL="828675" lvl="1" indent="-342900"/>
+            <a:r>
+              <a:rPr lang="en-US" sz="2400" dirty="0"/>
+              <a:t>…</a:t>
             </a:r>
           </a:p>
         </p:txBody>
@@ -18239,13 +18109,18 @@
               <a:rPr lang="en-IN" sz="3600" dirty="0">
                 <a:latin typeface="+mj-lt"/>
               </a:rPr>
-              <a:t>Multiple Goals, Sensitivity Analysis, What-If Analysis, and Goal Seeking  </a:t>
-            </a:r>
+              <a:t>Multiple Goals, Sensitivity Analysis, What-If Analysis, and Goal Seeking </a:t>
+            </a:r>
+            <a:br>
+              <a:rPr lang="en-IN" sz="3600" dirty="0">
+                <a:latin typeface="+mj-lt"/>
+              </a:rPr>
+            </a:br>
             <a:r>
               <a:rPr lang="en-US" sz="2800" dirty="0">
                 <a:latin typeface="+mj-lt"/>
               </a:rPr>
-              <a:t>(2 of 6)</a:t>
+              <a:t>(3 of 6)</a:t>
             </a:r>
           </a:p>
         </p:txBody>
@@ -18262,8 +18137,8 @@
         </p:nvSpPr>
         <p:spPr>
           <a:xfrm>
-            <a:off x="457200" y="1752600"/>
-            <a:ext cx="8153400" cy="3862596"/>
+            <a:off x="457200" y="1774656"/>
+            <a:ext cx="8153400" cy="4416594"/>
           </a:xfrm>
         </p:spPr>
         <p:txBody>
@@ -18273,57 +18148,71 @@
           <a:lstStyle/>
           <a:p>
             <a:r>
-              <a:rPr lang="en-US" sz="2400" dirty="0"/>
-              <a:t>Certain difficulties may arise when analyzing multiple goals</a:t>
+              <a:rPr lang="en-US" sz="2200" dirty="0"/>
+              <a:t>Sensitivity analysis</a:t>
             </a:r>
           </a:p>
           <a:p>
             <a:pPr marL="828675" lvl="1" indent="-342900"/>
             <a:r>
-              <a:rPr lang="en-US" sz="2400" dirty="0"/>
-              <a:t>Difficult to obtain a single organizational goal</a:t>
+              <a:rPr lang="en-US" sz="2200" dirty="0"/>
+              <a:t>It is the process of assessing the impact of change in inputs on outputs</a:t>
             </a:r>
           </a:p>
           <a:p>
             <a:pPr marL="828675" lvl="1" indent="-342900"/>
             <a:r>
-              <a:rPr lang="en-US" sz="2400" dirty="0"/>
-              <a:t>The importance of goals change over time</a:t>
+              <a:rPr lang="en-US" sz="2200" dirty="0"/>
+              <a:t>Helps to …</a:t>
+            </a:r>
+          </a:p>
+          <a:p>
+            <a:pPr marL="1228725" lvl="2" indent="-342900"/>
+            <a:r>
+              <a:rPr lang="en-US" sz="2200" dirty="0"/>
+              <a:t>eliminate (or reduce) variables</a:t>
+            </a:r>
+          </a:p>
+          <a:p>
+            <a:pPr marL="1228725" lvl="2" indent="-342900"/>
+            <a:r>
+              <a:rPr lang="en-US" sz="2200" dirty="0"/>
+              <a:t>revise models to eliminate too-large sensitivities</a:t>
+            </a:r>
+          </a:p>
+          <a:p>
+            <a:pPr marL="1228725" lvl="2" indent="-342900"/>
+            <a:r>
+              <a:rPr lang="en-US" sz="2200" dirty="0"/>
+              <a:t>adding details about sensitive variables or scenarios</a:t>
+            </a:r>
+          </a:p>
+          <a:p>
+            <a:pPr marL="1228725" lvl="2" indent="-342900"/>
+            <a:r>
+              <a:rPr lang="en-US" sz="2200" dirty="0"/>
+              <a:t>obtain better estimates of sensitive variables</a:t>
+            </a:r>
+          </a:p>
+          <a:p>
+            <a:pPr marL="1228725" lvl="2" indent="-342900"/>
+            <a:r>
+              <a:rPr lang="en-US" sz="2200" dirty="0"/>
+              <a:t>alter a real-world system to reduce sensitivities</a:t>
+            </a:r>
+          </a:p>
+          <a:p>
+            <a:pPr marL="1228725" lvl="2" indent="-342900"/>
+            <a:r>
+              <a:rPr lang="en-US" sz="2200" dirty="0"/>
+              <a:t>…</a:t>
             </a:r>
           </a:p>
           <a:p>
             <a:pPr marL="828675" lvl="1" indent="-342900"/>
             <a:r>
-              <a:rPr lang="en-US" sz="2400" dirty="0"/>
-              <a:t>Goals and sub-goals are viewed differently</a:t>
-            </a:r>
-          </a:p>
-          <a:p>
-            <a:pPr marL="828675" lvl="1" indent="-342900"/>
-            <a:r>
-              <a:rPr lang="en-US" sz="2400" dirty="0"/>
-              <a:t>Goals change in response to other changes</a:t>
-            </a:r>
-          </a:p>
-          <a:p>
-            <a:pPr marL="828675" lvl="1" indent="-342900"/>
-            <a:r>
-              <a:rPr lang="en-US" sz="2400" dirty="0"/>
-              <a:t>Dynamics of groups of decision makers</a:t>
-            </a:r>
-          </a:p>
-          <a:p>
-            <a:pPr marL="828675" lvl="1" indent="-342900"/>
-            <a:r>
-              <a:rPr lang="en-US" sz="2400" dirty="0"/>
-              <a:t>Assessing the importance (priorities)</a:t>
-            </a:r>
-          </a:p>
-          <a:p>
-            <a:pPr marL="828675" lvl="1" indent="-342900"/>
-            <a:r>
-              <a:rPr lang="en-US" sz="2400" dirty="0"/>
-              <a:t>…</a:t>
+              <a:rPr lang="en-US" sz="2200" dirty="0"/>
+              <a:t>Can be automatic or “trial and error”</a:t>
             </a:r>
           </a:p>
         </p:txBody>
@@ -18370,7 +18259,7 @@
         </p:nvSpPr>
         <p:spPr>
           <a:xfrm>
-            <a:off x="457200" y="57150"/>
+            <a:off x="457200" y="61317"/>
             <a:ext cx="8153400" cy="1538883"/>
           </a:xfrm>
         </p:spPr>
@@ -18384,18 +18273,13 @@
               <a:rPr lang="en-IN" sz="3600" dirty="0">
                 <a:latin typeface="+mj-lt"/>
               </a:rPr>
-              <a:t>Multiple Goals, Sensitivity Analysis, What-If Analysis, and Goal Seeking </a:t>
-            </a:r>
-            <a:br>
-              <a:rPr lang="en-IN" sz="3600" dirty="0">
-                <a:latin typeface="+mj-lt"/>
-              </a:rPr>
-            </a:br>
+              <a:t>Multiple Goals, Sensitivity Analysis, What-If Analysis, and Goal Seeking  </a:t>
+            </a:r>
             <a:r>
               <a:rPr lang="en-US" sz="2800" dirty="0">
                 <a:latin typeface="+mj-lt"/>
               </a:rPr>
-              <a:t>(3 of 6)</a:t>
+              <a:t>(4 of 6)</a:t>
             </a:r>
           </a:p>
         </p:txBody>
@@ -18412,8 +18296,8 @@
         </p:nvSpPr>
         <p:spPr>
           <a:xfrm>
-            <a:off x="457200" y="1774656"/>
-            <a:ext cx="8153400" cy="4416594"/>
+            <a:off x="457200" y="1761068"/>
+            <a:ext cx="8153400" cy="4470455"/>
           </a:xfrm>
         </p:spPr>
         <p:txBody>
@@ -18423,71 +18307,49 @@
           <a:lstStyle/>
           <a:p>
             <a:r>
-              <a:rPr lang="en-US" sz="2200" dirty="0"/>
-              <a:t>Sensitivity analysis</a:t>
-            </a:r>
-          </a:p>
-          <a:p>
-            <a:pPr marL="828675" lvl="1" indent="-342900"/>
-            <a:r>
-              <a:rPr lang="en-US" sz="2200" dirty="0"/>
-              <a:t>It is the process of assessing the impact of change in inputs on outputs</a:t>
-            </a:r>
-          </a:p>
-          <a:p>
-            <a:pPr marL="828675" lvl="1" indent="-342900"/>
-            <a:r>
-              <a:rPr lang="en-US" sz="2200" dirty="0"/>
-              <a:t>Helps to …</a:t>
-            </a:r>
-          </a:p>
-          <a:p>
-            <a:pPr marL="1228725" lvl="2" indent="-342900"/>
-            <a:r>
-              <a:rPr lang="en-US" sz="2200" dirty="0"/>
-              <a:t>eliminate (or reduce) variables</a:t>
-            </a:r>
-          </a:p>
-          <a:p>
-            <a:pPr marL="1228725" lvl="2" indent="-342900"/>
-            <a:r>
-              <a:rPr lang="en-US" sz="2200" dirty="0"/>
-              <a:t>revise models to eliminate too-large sensitivities</a:t>
-            </a:r>
-          </a:p>
-          <a:p>
-            <a:pPr marL="1228725" lvl="2" indent="-342900"/>
-            <a:r>
-              <a:rPr lang="en-US" sz="2200" dirty="0"/>
-              <a:t>adding details about sensitive variables or scenarios</a:t>
-            </a:r>
-          </a:p>
-          <a:p>
-            <a:pPr marL="1228725" lvl="2" indent="-342900"/>
-            <a:r>
-              <a:rPr lang="en-US" sz="2200" dirty="0"/>
-              <a:t>obtain better estimates of sensitive variables</a:t>
-            </a:r>
-          </a:p>
-          <a:p>
-            <a:pPr marL="1228725" lvl="2" indent="-342900"/>
-            <a:r>
-              <a:rPr lang="en-US" sz="2200" dirty="0"/>
-              <a:t>alter a real-world system to reduce sensitivities</a:t>
-            </a:r>
-          </a:p>
-          <a:p>
-            <a:pPr marL="1228725" lvl="2" indent="-342900"/>
-            <a:r>
-              <a:rPr lang="en-US" sz="2200" dirty="0"/>
-              <a:t>…</a:t>
-            </a:r>
-          </a:p>
-          <a:p>
-            <a:pPr marL="828675" lvl="1" indent="-342900"/>
-            <a:r>
-              <a:rPr lang="en-US" sz="2200" dirty="0"/>
-              <a:t>Can be automatic or “trial and error”</a:t>
+              <a:rPr lang="en-US" sz="2300" dirty="0"/>
+              <a:t>What-if analysis</a:t>
+            </a:r>
+          </a:p>
+          <a:p>
+            <a:pPr marL="714375" lvl="1" indent="-266700"/>
+            <a:r>
+              <a:rPr lang="en-US" sz="2300" dirty="0"/>
+              <a:t>Assesses solutions based on changes in variables or assumptions (scenario analysis)</a:t>
+            </a:r>
+          </a:p>
+          <a:p>
+            <a:pPr marL="714375" lvl="1" indent="-266700"/>
+            <a:r>
+              <a:rPr lang="en-US" sz="2300" dirty="0"/>
+              <a:t>What if we change our capacity at the milling station by 40% [what would be the impact] </a:t>
+            </a:r>
+          </a:p>
+          <a:p>
+            <a:r>
+              <a:rPr lang="en-US" sz="2300" dirty="0"/>
+              <a:t>Goal seeking</a:t>
+            </a:r>
+          </a:p>
+          <a:p>
+            <a:pPr marL="714375" lvl="1" indent="-266700"/>
+            <a:r>
+              <a:rPr lang="en-US" sz="2300" dirty="0"/>
+              <a:t>Backwards approach, starts with the goal and determines values of inputs needed </a:t>
+            </a:r>
+          </a:p>
+          <a:p>
+            <a:pPr marL="714375" lvl="1" indent="-266700"/>
+            <a:r>
+              <a:rPr lang="en-US" sz="2300" dirty="0"/>
+              <a:t>Example is break-even point determination</a:t>
+            </a:r>
+          </a:p>
+          <a:p>
+            <a:pPr marL="1104900" lvl="2" indent="-200025"/>
+            <a:r>
+              <a:rPr lang="en-US" sz="2300" dirty="0"/>
+              <a:t>In-order to break even (profit = 0), how many products do we have to sell each month</a:t>
             </a:r>
           </a:p>
         </p:txBody>
@@ -18506,356 +18368,6 @@
 </file>
 
 <file path=ppt/slides/slide29.xml><?xml version="1.0" encoding="utf-8"?>
-<p:sld xmlns:a="http://schemas.openxmlformats.org/drawingml/2006/main" xmlns:r="http://schemas.openxmlformats.org/officeDocument/2006/relationships" xmlns:p="http://schemas.openxmlformats.org/presentationml/2006/main">
-  <p:cSld>
-    <p:spTree>
-      <p:nvGrpSpPr>
-        <p:cNvPr id="1" name=""/>
-        <p:cNvGrpSpPr/>
-        <p:nvPr/>
-      </p:nvGrpSpPr>
-      <p:grpSpPr>
-        <a:xfrm>
-          <a:off x="0" y="0"/>
-          <a:ext cx="0" cy="0"/>
-          <a:chOff x="0" y="0"/>
-          <a:chExt cx="0" cy="0"/>
-        </a:xfrm>
-      </p:grpSpPr>
-      <p:sp>
-        <p:nvSpPr>
-          <p:cNvPr id="2" name="Title 1"/>
-          <p:cNvSpPr>
-            <a:spLocks noGrp="1"/>
-          </p:cNvSpPr>
-          <p:nvPr>
-            <p:ph type="title"/>
-          </p:nvPr>
-        </p:nvSpPr>
-        <p:spPr>
-          <a:xfrm>
-            <a:off x="457200" y="61317"/>
-            <a:ext cx="8153400" cy="1538883"/>
-          </a:xfrm>
-        </p:spPr>
-        <p:txBody>
-          <a:bodyPr wrap="square">
-            <a:spAutoFit/>
-          </a:bodyPr>
-          <a:lstStyle/>
-          <a:p>
-            <a:r>
-              <a:rPr lang="en-IN" sz="3600" dirty="0">
-                <a:latin typeface="+mj-lt"/>
-              </a:rPr>
-              <a:t>Multiple Goals, Sensitivity Analysis, What-If Analysis, and Goal Seeking  </a:t>
-            </a:r>
-            <a:r>
-              <a:rPr lang="en-US" sz="2800" dirty="0">
-                <a:latin typeface="+mj-lt"/>
-              </a:rPr>
-              <a:t>(4 of 6)</a:t>
-            </a:r>
-          </a:p>
-        </p:txBody>
-      </p:sp>
-      <p:sp>
-        <p:nvSpPr>
-          <p:cNvPr id="5" name="Content Placeholder 4"/>
-          <p:cNvSpPr>
-            <a:spLocks noGrp="1"/>
-          </p:cNvSpPr>
-          <p:nvPr>
-            <p:ph idx="13"/>
-          </p:nvPr>
-        </p:nvSpPr>
-        <p:spPr>
-          <a:xfrm>
-            <a:off x="457200" y="1761068"/>
-            <a:ext cx="8153400" cy="4470455"/>
-          </a:xfrm>
-        </p:spPr>
-        <p:txBody>
-          <a:bodyPr wrap="square">
-            <a:spAutoFit/>
-          </a:bodyPr>
-          <a:lstStyle/>
-          <a:p>
-            <a:r>
-              <a:rPr lang="en-US" sz="2300" dirty="0"/>
-              <a:t>What-if analysis</a:t>
-            </a:r>
-          </a:p>
-          <a:p>
-            <a:pPr marL="714375" lvl="1" indent="-266700"/>
-            <a:r>
-              <a:rPr lang="en-US" sz="2300" dirty="0"/>
-              <a:t>Assesses solutions based on changes in variables or assumptions (scenario analysis)</a:t>
-            </a:r>
-          </a:p>
-          <a:p>
-            <a:pPr marL="714375" lvl="1" indent="-266700"/>
-            <a:r>
-              <a:rPr lang="en-US" sz="2300" dirty="0"/>
-              <a:t>What if we change our capacity at the milling station by 40% [what would be the impact] </a:t>
-            </a:r>
-          </a:p>
-          <a:p>
-            <a:r>
-              <a:rPr lang="en-US" sz="2300" dirty="0"/>
-              <a:t>Goal seeking</a:t>
-            </a:r>
-          </a:p>
-          <a:p>
-            <a:pPr marL="714375" lvl="1" indent="-266700"/>
-            <a:r>
-              <a:rPr lang="en-US" sz="2300" dirty="0"/>
-              <a:t>Backwards approach, starts with the goal and determines values of inputs needed </a:t>
-            </a:r>
-          </a:p>
-          <a:p>
-            <a:pPr marL="714375" lvl="1" indent="-266700"/>
-            <a:r>
-              <a:rPr lang="en-US" sz="2300" dirty="0"/>
-              <a:t>Example is break-even point determination</a:t>
-            </a:r>
-          </a:p>
-          <a:p>
-            <a:pPr marL="1104900" lvl="2" indent="-200025"/>
-            <a:r>
-              <a:rPr lang="en-US" sz="2300" dirty="0"/>
-              <a:t>In-order to break even (profit = 0), how many products do we have to sell each month</a:t>
-            </a:r>
-          </a:p>
-        </p:txBody>
-      </p:sp>
-    </p:spTree>
-    <p:extLst>
-      <p:ext uri="{BB962C8B-B14F-4D97-AF65-F5344CB8AC3E}">
-        <p14:creationId xmlns:p14="http://schemas.microsoft.com/office/powerpoint/2010/main" val="2410196935"/>
-      </p:ext>
-    </p:extLst>
-  </p:cSld>
-  <p:clrMapOvr>
-    <a:masterClrMapping/>
-  </p:clrMapOvr>
-</p:sld>
-</file>
-
-<file path=ppt/slides/slide3.xml><?xml version="1.0" encoding="utf-8"?>
-<p:sld xmlns:a="http://schemas.openxmlformats.org/drawingml/2006/main" xmlns:r="http://schemas.openxmlformats.org/officeDocument/2006/relationships" xmlns:p="http://schemas.openxmlformats.org/presentationml/2006/main">
-  <p:cSld>
-    <p:spTree>
-      <p:nvGrpSpPr>
-        <p:cNvPr id="1" name=""/>
-        <p:cNvGrpSpPr/>
-        <p:nvPr/>
-      </p:nvGrpSpPr>
-      <p:grpSpPr>
-        <a:xfrm>
-          <a:off x="0" y="0"/>
-          <a:ext cx="0" cy="0"/>
-          <a:chOff x="0" y="0"/>
-          <a:chExt cx="0" cy="0"/>
-        </a:xfrm>
-      </p:grpSpPr>
-      <p:sp>
-        <p:nvSpPr>
-          <p:cNvPr id="2" name="Title 1"/>
-          <p:cNvSpPr>
-            <a:spLocks noGrp="1"/>
-          </p:cNvSpPr>
-          <p:nvPr>
-            <p:ph type="title"/>
-          </p:nvPr>
-        </p:nvSpPr>
-        <p:spPr>
-          <a:xfrm>
-            <a:off x="456154" y="74652"/>
-            <a:ext cx="8153400" cy="553998"/>
-          </a:xfrm>
-        </p:spPr>
-        <p:txBody>
-          <a:bodyPr wrap="square">
-            <a:spAutoFit/>
-          </a:bodyPr>
-          <a:lstStyle/>
-          <a:p>
-            <a:r>
-              <a:rPr lang="en-US" dirty="0"/>
-              <a:t>Learning Objectives </a:t>
-            </a:r>
-            <a:r>
-              <a:rPr lang="en-US" sz="2800" dirty="0"/>
-              <a:t>(2 of 2)</a:t>
-            </a:r>
-            <a:endParaRPr lang="en-US" dirty="0"/>
-          </a:p>
-        </p:txBody>
-      </p:sp>
-      <p:sp>
-        <p:nvSpPr>
-          <p:cNvPr id="3" name="Content Placeholder 2"/>
-          <p:cNvSpPr>
-            <a:spLocks noGrp="1"/>
-          </p:cNvSpPr>
-          <p:nvPr>
-            <p:ph idx="1"/>
-          </p:nvPr>
-        </p:nvSpPr>
-        <p:spPr>
-          <a:xfrm>
-            <a:off x="456154" y="990600"/>
-            <a:ext cx="8153400" cy="4093428"/>
-          </a:xfrm>
-        </p:spPr>
-        <p:txBody>
-          <a:bodyPr wrap="square">
-            <a:spAutoFit/>
-          </a:bodyPr>
-          <a:lstStyle/>
-          <a:p>
-            <a:pPr marL="542925" lvl="0" indent="-542925" defTabSz="542925">
-              <a:spcBef>
-                <a:spcPts val="0"/>
-              </a:spcBef>
-              <a:buClr>
-                <a:schemeClr val="lt1"/>
-              </a:buClr>
-              <a:buSzPct val="25000"/>
-              <a:buNone/>
-              <a:tabLst>
-                <a:tab pos="514350" algn="l"/>
-              </a:tabLst>
-            </a:pPr>
-            <a:r>
-              <a:rPr lang="en-US" sz="2400" b="1" dirty="0">
-                <a:solidFill>
-                  <a:srgbClr val="007FA3"/>
-                </a:solidFill>
-              </a:rPr>
-              <a:t>8.5</a:t>
-            </a:r>
-            <a:r>
-              <a:rPr lang="en-US" sz="2400" dirty="0"/>
-              <a:t> 		Explain the basic concepts of optimization and when to use them</a:t>
-            </a:r>
-          </a:p>
-          <a:p>
-            <a:pPr marL="0" lvl="0" indent="0">
-              <a:buClr>
-                <a:schemeClr val="lt1"/>
-              </a:buClr>
-              <a:buSzPct val="25000"/>
-              <a:buNone/>
-            </a:pPr>
-            <a:r>
-              <a:rPr lang="en-US" sz="2400" b="1" dirty="0">
-                <a:solidFill>
-                  <a:srgbClr val="007FA3"/>
-                </a:solidFill>
-              </a:rPr>
-              <a:t>8.6</a:t>
-            </a:r>
-            <a:r>
-              <a:rPr lang="en-US" sz="2400" dirty="0"/>
-              <a:t> Describe how to structure a linear programming model</a:t>
-            </a:r>
-            <a:r>
-              <a:rPr lang="en-US" sz="2400" b="1" dirty="0">
-                <a:solidFill>
-                  <a:srgbClr val="007FA3"/>
-                </a:solidFill>
-              </a:rPr>
-              <a:t> </a:t>
-            </a:r>
-            <a:endParaRPr lang="en-US" sz="2400" dirty="0"/>
-          </a:p>
-          <a:p>
-            <a:pPr marL="542925" lvl="0" indent="-542925" defTabSz="542925">
-              <a:buClr>
-                <a:schemeClr val="lt1"/>
-              </a:buClr>
-              <a:buSzPct val="25000"/>
-              <a:buNone/>
-              <a:tabLst>
-                <a:tab pos="504825" algn="l"/>
-              </a:tabLst>
-            </a:pPr>
-            <a:r>
-              <a:rPr lang="en-US" sz="2400" b="1" dirty="0">
-                <a:solidFill>
-                  <a:srgbClr val="007FA3"/>
-                </a:solidFill>
-              </a:rPr>
-              <a:t>8.7</a:t>
-            </a:r>
-            <a:r>
-              <a:rPr lang="en-US" sz="2400" dirty="0"/>
-              <a:t> 	Explain what is meant by sensitivity analysis, what-if analysis, and goal seeking </a:t>
-            </a:r>
-          </a:p>
-          <a:p>
-            <a:pPr marL="542925" lvl="0" indent="-542925" defTabSz="533400">
-              <a:buClr>
-                <a:schemeClr val="lt1"/>
-              </a:buClr>
-              <a:buSzPct val="25000"/>
-              <a:buNone/>
-            </a:pPr>
-            <a:r>
-              <a:rPr lang="en-US" sz="2400" b="1" dirty="0">
-                <a:solidFill>
-                  <a:srgbClr val="007FA3"/>
-                </a:solidFill>
-              </a:rPr>
-              <a:t>8.8 	</a:t>
-            </a:r>
-            <a:r>
-              <a:rPr lang="en-US" sz="2400" dirty="0"/>
-              <a:t>Understand the concepts and applications of different types of simulation</a:t>
-            </a:r>
-          </a:p>
-          <a:p>
-            <a:pPr marL="542925" lvl="0" indent="-542925" defTabSz="542925">
-              <a:buClr>
-                <a:schemeClr val="lt1"/>
-              </a:buClr>
-              <a:buSzPct val="25000"/>
-              <a:buNone/>
-              <a:tabLst>
-                <a:tab pos="514350" algn="l"/>
-              </a:tabLst>
-            </a:pPr>
-            <a:r>
-              <a:rPr lang="en-US" sz="2400" b="1" dirty="0">
-                <a:solidFill>
-                  <a:srgbClr val="007FA3"/>
-                </a:solidFill>
-              </a:rPr>
-              <a:t>8.9 		</a:t>
-            </a:r>
-            <a:r>
-              <a:rPr lang="en-US" sz="2400" dirty="0"/>
-              <a:t>Understand potential applications of discrete event simulation</a:t>
-            </a:r>
-          </a:p>
-        </p:txBody>
-      </p:sp>
-    </p:spTree>
-    <p:extLst>
-      <p:ext uri="{BB962C8B-B14F-4D97-AF65-F5344CB8AC3E}">
-        <p14:creationId xmlns:p14="http://schemas.microsoft.com/office/powerpoint/2010/main" val="1162475219"/>
-      </p:ext>
-    </p:extLst>
-  </p:cSld>
-  <p:clrMapOvr>
-    <a:masterClrMapping/>
-  </p:clrMapOvr>
-</p:sld>
-</file>
-
-<file path=ppt/slides/slide30.xml><?xml version="1.0" encoding="utf-8"?>
 <p:sld xmlns:a="http://schemas.openxmlformats.org/drawingml/2006/main" xmlns:r="http://schemas.openxmlformats.org/officeDocument/2006/relationships" xmlns:p="http://schemas.openxmlformats.org/presentationml/2006/main">
   <p:cSld>
     <p:spTree>
@@ -18994,7 +18506,220 @@
 </p:sld>
 </file>
 
-<file path=ppt/slides/slide31.xml><?xml version="1.0" encoding="utf-8"?>
+<file path=ppt/slides/slide3.xml><?xml version="1.0" encoding="utf-8"?>
+<p:sld xmlns:a="http://schemas.openxmlformats.org/drawingml/2006/main" xmlns:r="http://schemas.openxmlformats.org/officeDocument/2006/relationships" xmlns:p="http://schemas.openxmlformats.org/presentationml/2006/main">
+  <p:cSld>
+    <p:spTree>
+      <p:nvGrpSpPr>
+        <p:cNvPr id="1" name=""/>
+        <p:cNvGrpSpPr/>
+        <p:nvPr/>
+      </p:nvGrpSpPr>
+      <p:grpSpPr>
+        <a:xfrm>
+          <a:off x="0" y="0"/>
+          <a:ext cx="0" cy="0"/>
+          <a:chOff x="0" y="0"/>
+          <a:chExt cx="0" cy="0"/>
+        </a:xfrm>
+      </p:grpSpPr>
+      <p:sp>
+        <p:nvSpPr>
+          <p:cNvPr id="2" name="Title 1"/>
+          <p:cNvSpPr>
+            <a:spLocks noGrp="1"/>
+          </p:cNvSpPr>
+          <p:nvPr>
+            <p:ph type="title"/>
+          </p:nvPr>
+        </p:nvSpPr>
+        <p:spPr>
+          <a:xfrm>
+            <a:off x="456154" y="74652"/>
+            <a:ext cx="8153400" cy="553998"/>
+          </a:xfrm>
+        </p:spPr>
+        <p:txBody>
+          <a:bodyPr wrap="square">
+            <a:spAutoFit/>
+          </a:bodyPr>
+          <a:lstStyle/>
+          <a:p>
+            <a:r>
+              <a:rPr lang="en-US" dirty="0"/>
+              <a:t>Learning Objectives </a:t>
+            </a:r>
+            <a:r>
+              <a:rPr lang="en-US" sz="2800" dirty="0"/>
+              <a:t>(2 of 2)</a:t>
+            </a:r>
+            <a:endParaRPr lang="en-US" dirty="0"/>
+          </a:p>
+        </p:txBody>
+      </p:sp>
+      <p:sp>
+        <p:nvSpPr>
+          <p:cNvPr id="3" name="Content Placeholder 2"/>
+          <p:cNvSpPr>
+            <a:spLocks noGrp="1"/>
+          </p:cNvSpPr>
+          <p:nvPr>
+            <p:ph idx="1"/>
+          </p:nvPr>
+        </p:nvSpPr>
+        <p:spPr>
+          <a:xfrm>
+            <a:off x="456154" y="990600"/>
+            <a:ext cx="8153400" cy="4093428"/>
+          </a:xfrm>
+        </p:spPr>
+        <p:txBody>
+          <a:bodyPr wrap="square">
+            <a:spAutoFit/>
+          </a:bodyPr>
+          <a:lstStyle/>
+          <a:p>
+            <a:pPr marL="542925" lvl="0" indent="-542925" defTabSz="542925">
+              <a:spcBef>
+                <a:spcPts val="0"/>
+              </a:spcBef>
+              <a:buClr>
+                <a:schemeClr val="lt1"/>
+              </a:buClr>
+              <a:buSzPct val="25000"/>
+              <a:buNone/>
+              <a:tabLst>
+                <a:tab pos="514350" algn="l"/>
+              </a:tabLst>
+            </a:pPr>
+            <a:r>
+              <a:rPr lang="en-US" sz="2400" b="1" dirty="0">
+                <a:solidFill>
+                  <a:srgbClr val="007FA3"/>
+                </a:solidFill>
+              </a:rPr>
+              <a:t>8.5</a:t>
+            </a:r>
+            <a:r>
+              <a:rPr lang="en-US" sz="2400" dirty="0"/>
+              <a:t> 		Explain the basic concepts of optimization and when to use them</a:t>
+            </a:r>
+          </a:p>
+          <a:p>
+            <a:pPr marL="0" lvl="0" indent="0">
+              <a:buClr>
+                <a:schemeClr val="lt1"/>
+              </a:buClr>
+              <a:buSzPct val="25000"/>
+              <a:buNone/>
+            </a:pPr>
+            <a:r>
+              <a:rPr lang="en-US" sz="2400" b="1" dirty="0">
+                <a:solidFill>
+                  <a:srgbClr val="007FA3"/>
+                </a:solidFill>
+              </a:rPr>
+              <a:t>8.6</a:t>
+            </a:r>
+            <a:r>
+              <a:rPr lang="en-US" sz="2400" dirty="0"/>
+              <a:t> Describe how to structure a linear programming model</a:t>
+            </a:r>
+            <a:r>
+              <a:rPr lang="en-US" sz="2400" b="1" dirty="0">
+                <a:solidFill>
+                  <a:srgbClr val="007FA3"/>
+                </a:solidFill>
+              </a:rPr>
+              <a:t> </a:t>
+            </a:r>
+            <a:endParaRPr lang="en-US" sz="2400" dirty="0"/>
+          </a:p>
+          <a:p>
+            <a:pPr marL="542925" lvl="0" indent="-542925" defTabSz="542925">
+              <a:buClr>
+                <a:schemeClr val="lt1"/>
+              </a:buClr>
+              <a:buSzPct val="25000"/>
+              <a:buNone/>
+              <a:tabLst>
+                <a:tab pos="504825" algn="l"/>
+              </a:tabLst>
+            </a:pPr>
+            <a:r>
+              <a:rPr lang="en-US" sz="2400" b="1" dirty="0">
+                <a:solidFill>
+                  <a:srgbClr val="007FA3"/>
+                </a:solidFill>
+              </a:rPr>
+              <a:t>8.7</a:t>
+            </a:r>
+            <a:r>
+              <a:rPr lang="en-US" sz="2400" dirty="0"/>
+              <a:t> 	Explain what is meant by sensitivity analysis, what-if analysis, and goal seeking </a:t>
+            </a:r>
+          </a:p>
+          <a:p>
+            <a:pPr marL="542925" lvl="0" indent="-542925" defTabSz="533400">
+              <a:buClr>
+                <a:schemeClr val="lt1"/>
+              </a:buClr>
+              <a:buSzPct val="25000"/>
+              <a:buNone/>
+            </a:pPr>
+            <a:r>
+              <a:rPr lang="en-US" sz="2400" b="1" dirty="0">
+                <a:solidFill>
+                  <a:srgbClr val="007FA3"/>
+                </a:solidFill>
+              </a:rPr>
+              <a:t>8.8 	</a:t>
+            </a:r>
+            <a:r>
+              <a:rPr lang="en-US" sz="2400" dirty="0"/>
+              <a:t>Understand the concepts and applications of different types of simulation</a:t>
+            </a:r>
+          </a:p>
+          <a:p>
+            <a:pPr marL="542925" lvl="0" indent="-542925" defTabSz="542925">
+              <a:buClr>
+                <a:schemeClr val="lt1"/>
+              </a:buClr>
+              <a:buSzPct val="25000"/>
+              <a:buNone/>
+              <a:tabLst>
+                <a:tab pos="514350" algn="l"/>
+              </a:tabLst>
+            </a:pPr>
+            <a:r>
+              <a:rPr lang="en-US" sz="2400" b="1" dirty="0">
+                <a:solidFill>
+                  <a:srgbClr val="007FA3"/>
+                </a:solidFill>
+              </a:rPr>
+              <a:t>8.9 		</a:t>
+            </a:r>
+            <a:r>
+              <a:rPr lang="en-US" sz="2400" dirty="0"/>
+              <a:t>Understand potential applications of discrete event simulation</a:t>
+            </a:r>
+          </a:p>
+        </p:txBody>
+      </p:sp>
+    </p:spTree>
+    <p:extLst>
+      <p:ext uri="{BB962C8B-B14F-4D97-AF65-F5344CB8AC3E}">
+        <p14:creationId xmlns:p14="http://schemas.microsoft.com/office/powerpoint/2010/main" val="1162475219"/>
+      </p:ext>
+    </p:extLst>
+  </p:cSld>
+  <p:clrMapOvr>
+    <a:masterClrMapping/>
+  </p:clrMapOvr>
+</p:sld>
+</file>
+
+<file path=ppt/slides/slide30.xml><?xml version="1.0" encoding="utf-8"?>
 <p:sld xmlns:a="http://schemas.openxmlformats.org/drawingml/2006/main" xmlns:r="http://schemas.openxmlformats.org/officeDocument/2006/relationships" xmlns:p="http://schemas.openxmlformats.org/presentationml/2006/main">
   <p:cSld>
     <p:spTree>
@@ -19133,6 +18858,140 @@
 </p:sld>
 </file>
 
+<file path=ppt/slides/slide31.xml><?xml version="1.0" encoding="utf-8"?>
+<p:sld xmlns:a="http://schemas.openxmlformats.org/drawingml/2006/main" xmlns:r="http://schemas.openxmlformats.org/officeDocument/2006/relationships" xmlns:p="http://schemas.openxmlformats.org/presentationml/2006/main">
+  <p:cSld>
+    <p:spTree>
+      <p:nvGrpSpPr>
+        <p:cNvPr id="1" name=""/>
+        <p:cNvGrpSpPr/>
+        <p:nvPr/>
+      </p:nvGrpSpPr>
+      <p:grpSpPr>
+        <a:xfrm>
+          <a:off x="0" y="0"/>
+          <a:ext cx="0" cy="0"/>
+          <a:chOff x="0" y="0"/>
+          <a:chExt cx="0" cy="0"/>
+        </a:xfrm>
+      </p:grpSpPr>
+      <p:sp>
+        <p:nvSpPr>
+          <p:cNvPr id="2" name="Title 1"/>
+          <p:cNvSpPr>
+            <a:spLocks noGrp="1"/>
+          </p:cNvSpPr>
+          <p:nvPr>
+            <p:ph type="title"/>
+          </p:nvPr>
+        </p:nvSpPr>
+        <p:spPr>
+          <a:xfrm>
+            <a:off x="457200" y="63579"/>
+            <a:ext cx="8153400" cy="1107996"/>
+          </a:xfrm>
+        </p:spPr>
+        <p:txBody>
+          <a:bodyPr wrap="square">
+            <a:spAutoFit/>
+          </a:bodyPr>
+          <a:lstStyle/>
+          <a:p>
+            <a:r>
+              <a:rPr lang="en-IN" sz="3600" dirty="0">
+                <a:latin typeface="+mj-lt"/>
+              </a:rPr>
+              <a:t>Decision Analysis with Decision Tables and Decision Trees</a:t>
+            </a:r>
+            <a:endParaRPr lang="en-US" sz="3600" dirty="0">
+              <a:latin typeface="+mj-lt"/>
+            </a:endParaRPr>
+          </a:p>
+        </p:txBody>
+      </p:sp>
+      <p:sp>
+        <p:nvSpPr>
+          <p:cNvPr id="5" name="Content Placeholder 4"/>
+          <p:cNvSpPr>
+            <a:spLocks noGrp="1"/>
+          </p:cNvSpPr>
+          <p:nvPr>
+            <p:ph idx="13"/>
+          </p:nvPr>
+        </p:nvSpPr>
+        <p:spPr>
+          <a:xfrm>
+            <a:off x="457200" y="1373304"/>
+            <a:ext cx="8153400" cy="3901068"/>
+          </a:xfrm>
+        </p:spPr>
+        <p:txBody>
+          <a:bodyPr wrap="square">
+            <a:spAutoFit/>
+          </a:bodyPr>
+          <a:lstStyle/>
+          <a:p>
+            <a:r>
+              <a:rPr lang="en-US" sz="2400" dirty="0"/>
+              <a:t>Decision Tables – a tabular representation of the decision situation (alternatives)</a:t>
+            </a:r>
+          </a:p>
+          <a:p>
+            <a:r>
+              <a:rPr lang="en-US" sz="2400" dirty="0"/>
+              <a:t>Investment Example</a:t>
+            </a:r>
+          </a:p>
+          <a:p>
+            <a:pPr marL="828675" lvl="1" indent="-342900"/>
+            <a:r>
+              <a:rPr lang="en-US" sz="2400" dirty="0"/>
+              <a:t>Goal: maximize the yield after one year</a:t>
+            </a:r>
+          </a:p>
+          <a:p>
+            <a:pPr marL="828675" lvl="1" indent="-342900"/>
+            <a:r>
+              <a:rPr lang="en-US" sz="2400" dirty="0"/>
+              <a:t>Yield depends on the status of the economy (the state of nature)</a:t>
+            </a:r>
+          </a:p>
+          <a:p>
+            <a:pPr marL="1285875" lvl="2" indent="-342900"/>
+            <a:r>
+              <a:rPr lang="en-US" sz="2400" dirty="0"/>
+              <a:t>Solid growth</a:t>
+            </a:r>
+          </a:p>
+          <a:p>
+            <a:pPr marL="1285875" lvl="2" indent="-342900"/>
+            <a:r>
+              <a:rPr lang="en-US" sz="2400" dirty="0"/>
+              <a:t>Stagnation</a:t>
+            </a:r>
+          </a:p>
+          <a:p>
+            <a:pPr marL="1285875" lvl="2" indent="-342900"/>
+            <a:r>
+              <a:rPr lang="en-US" sz="2400" dirty="0"/>
+              <a:t>Inflation</a:t>
+            </a:r>
+          </a:p>
+        </p:txBody>
+      </p:sp>
+    </p:spTree>
+    <p:extLst>
+      <p:ext uri="{BB962C8B-B14F-4D97-AF65-F5344CB8AC3E}">
+        <p14:creationId xmlns:p14="http://schemas.microsoft.com/office/powerpoint/2010/main" val="2410196935"/>
+      </p:ext>
+    </p:extLst>
+  </p:cSld>
+  <p:clrMapOvr>
+    <a:masterClrMapping/>
+  </p:clrMapOvr>
+</p:sld>
+</file>
+
 <file path=ppt/slides/slide32.xml><?xml version="1.0" encoding="utf-8"?>
 <p:sld xmlns:a="http://schemas.openxmlformats.org/drawingml/2006/main" xmlns:r="http://schemas.openxmlformats.org/officeDocument/2006/relationships" xmlns:p="http://schemas.openxmlformats.org/presentationml/2006/main">
   <p:cSld>
@@ -19162,8 +19021,8 @@
         </p:nvSpPr>
         <p:spPr>
           <a:xfrm>
-            <a:off x="457200" y="63579"/>
-            <a:ext cx="8153400" cy="1107996"/>
+            <a:off x="457200" y="66675"/>
+            <a:ext cx="8153400" cy="984885"/>
           </a:xfrm>
         </p:spPr>
         <p:txBody>
@@ -19176,11 +19035,14 @@
               <a:rPr lang="en-IN" sz="3600" dirty="0">
                 <a:latin typeface="+mj-lt"/>
               </a:rPr>
-              <a:t>Decision Analysis with Decision Tables and Decision Trees</a:t>
-            </a:r>
-            <a:endParaRPr lang="en-US" sz="3600" dirty="0">
-              <a:latin typeface="+mj-lt"/>
-            </a:endParaRPr>
+              <a:t>Decision Table: Investment Example </a:t>
+            </a:r>
+            <a:r>
+              <a:rPr lang="en-US" sz="2800" dirty="0">
+                <a:latin typeface="+mj-lt"/>
+              </a:rPr>
+              <a:t>(1 of 2)</a:t>
+            </a:r>
           </a:p>
         </p:txBody>
       </p:sp>
@@ -19196,8 +19058,8 @@
         </p:nvSpPr>
         <p:spPr>
           <a:xfrm>
-            <a:off x="457200" y="1373304"/>
-            <a:ext cx="8153400" cy="3901068"/>
+            <a:off x="457200" y="1363831"/>
+            <a:ext cx="8153400" cy="2600712"/>
           </a:xfrm>
         </p:spPr>
         <p:txBody>
@@ -19206,50 +19068,69 @@
           </a:bodyPr>
           <a:lstStyle/>
           <a:p>
+            <a:pPr marL="514350" indent="-514350">
+              <a:buFont typeface="+mj-lt"/>
+              <a:buAutoNum type="arabicPeriod"/>
+            </a:pPr>
             <a:r>
               <a:rPr lang="en-US" sz="2400" dirty="0"/>
-              <a:t>Decision Tables – a tabular representation of the decision situation (alternatives)</a:t>
-            </a:r>
-          </a:p>
-          <a:p>
+              <a:t>If </a:t>
+            </a:r>
+            <a:r>
+              <a:rPr lang="en-US" sz="2400" dirty="0">
+                <a:solidFill>
+                  <a:schemeClr val="bg2"/>
+                </a:solidFill>
+              </a:rPr>
+              <a:t>solid growth </a:t>
+            </a:r>
             <a:r>
               <a:rPr lang="en-US" sz="2400" dirty="0"/>
-              <a:t>Investment Example</a:t>
-            </a:r>
-          </a:p>
-          <a:p>
-            <a:pPr marL="828675" lvl="1" indent="-342900"/>
+              <a:t>in the economy, bonds yield 12%; stocks 15%; time deposits 6.5%</a:t>
+            </a:r>
+          </a:p>
+          <a:p>
+            <a:pPr marL="514350" indent="-514350">
+              <a:buFont typeface="+mj-lt"/>
+              <a:buAutoNum type="arabicPeriod"/>
+            </a:pPr>
             <a:r>
               <a:rPr lang="en-US" sz="2400" dirty="0"/>
-              <a:t>Goal: maximize the yield after one year</a:t>
-            </a:r>
-          </a:p>
-          <a:p>
-            <a:pPr marL="828675" lvl="1" indent="-342900"/>
+              <a:t>If </a:t>
+            </a:r>
+            <a:r>
+              <a:rPr lang="en-US" sz="2400" dirty="0">
+                <a:solidFill>
+                  <a:schemeClr val="bg2"/>
+                </a:solidFill>
+              </a:rPr>
+              <a:t>stagnation</a:t>
+            </a:r>
             <a:r>
               <a:rPr lang="en-US" sz="2400" dirty="0"/>
-              <a:t>Yield depends on the status of the economy (the state of nature)</a:t>
-            </a:r>
-          </a:p>
-          <a:p>
-            <a:pPr marL="1285875" lvl="2" indent="-342900"/>
+              <a:t>, bonds yield 6%; stocks 3%; time deposits 6.5%</a:t>
+            </a:r>
+          </a:p>
+          <a:p>
+            <a:pPr marL="514350" indent="-514350">
+              <a:buFont typeface="+mj-lt"/>
+              <a:buAutoNum type="arabicPeriod"/>
+            </a:pPr>
             <a:r>
               <a:rPr lang="en-US" sz="2400" dirty="0"/>
-              <a:t>Solid growth</a:t>
-            </a:r>
-          </a:p>
-          <a:p>
-            <a:pPr marL="1285875" lvl="2" indent="-342900"/>
+              <a:t>If </a:t>
+            </a:r>
+            <a:r>
+              <a:rPr lang="en-US" sz="2400" dirty="0">
+                <a:solidFill>
+                  <a:schemeClr val="bg2"/>
+                </a:solidFill>
+              </a:rPr>
+              <a:t>inflation</a:t>
+            </a:r>
             <a:r>
               <a:rPr lang="en-US" sz="2400" dirty="0"/>
-              <a:t>Stagnation</a:t>
-            </a:r>
-          </a:p>
-          <a:p>
-            <a:pPr marL="1285875" lvl="2" indent="-342900"/>
-            <a:r>
-              <a:rPr lang="en-US" sz="2400" dirty="0"/>
-              <a:t>Inflation</a:t>
+              <a:t>, bonds yield 3%; stocks lose 2%; time deposits yield 6.5%</a:t>
             </a:r>
           </a:p>
         </p:txBody>
@@ -19268,162 +19149,6 @@
 </file>
 
 <file path=ppt/slides/slide33.xml><?xml version="1.0" encoding="utf-8"?>
-<p:sld xmlns:a="http://schemas.openxmlformats.org/drawingml/2006/main" xmlns:r="http://schemas.openxmlformats.org/officeDocument/2006/relationships" xmlns:p="http://schemas.openxmlformats.org/presentationml/2006/main">
-  <p:cSld>
-    <p:spTree>
-      <p:nvGrpSpPr>
-        <p:cNvPr id="1" name=""/>
-        <p:cNvGrpSpPr/>
-        <p:nvPr/>
-      </p:nvGrpSpPr>
-      <p:grpSpPr>
-        <a:xfrm>
-          <a:off x="0" y="0"/>
-          <a:ext cx="0" cy="0"/>
-          <a:chOff x="0" y="0"/>
-          <a:chExt cx="0" cy="0"/>
-        </a:xfrm>
-      </p:grpSpPr>
-      <p:sp>
-        <p:nvSpPr>
-          <p:cNvPr id="2" name="Title 1"/>
-          <p:cNvSpPr>
-            <a:spLocks noGrp="1"/>
-          </p:cNvSpPr>
-          <p:nvPr>
-            <p:ph type="title"/>
-          </p:nvPr>
-        </p:nvSpPr>
-        <p:spPr>
-          <a:xfrm>
-            <a:off x="457200" y="66675"/>
-            <a:ext cx="8153400" cy="984885"/>
-          </a:xfrm>
-        </p:spPr>
-        <p:txBody>
-          <a:bodyPr wrap="square">
-            <a:spAutoFit/>
-          </a:bodyPr>
-          <a:lstStyle/>
-          <a:p>
-            <a:r>
-              <a:rPr lang="en-IN" sz="3600" dirty="0">
-                <a:latin typeface="+mj-lt"/>
-              </a:rPr>
-              <a:t>Decision Table: Investment Example </a:t>
-            </a:r>
-            <a:r>
-              <a:rPr lang="en-US" sz="2800" dirty="0">
-                <a:latin typeface="+mj-lt"/>
-              </a:rPr>
-              <a:t>(1 of 2)</a:t>
-            </a:r>
-          </a:p>
-        </p:txBody>
-      </p:sp>
-      <p:sp>
-        <p:nvSpPr>
-          <p:cNvPr id="5" name="Content Placeholder 4"/>
-          <p:cNvSpPr>
-            <a:spLocks noGrp="1"/>
-          </p:cNvSpPr>
-          <p:nvPr>
-            <p:ph idx="13"/>
-          </p:nvPr>
-        </p:nvSpPr>
-        <p:spPr>
-          <a:xfrm>
-            <a:off x="457200" y="1363831"/>
-            <a:ext cx="8153400" cy="2600712"/>
-          </a:xfrm>
-        </p:spPr>
-        <p:txBody>
-          <a:bodyPr wrap="square">
-            <a:spAutoFit/>
-          </a:bodyPr>
-          <a:lstStyle/>
-          <a:p>
-            <a:pPr marL="514350" indent="-514350">
-              <a:buFont typeface="+mj-lt"/>
-              <a:buAutoNum type="arabicPeriod"/>
-            </a:pPr>
-            <a:r>
-              <a:rPr lang="en-US" sz="2400" dirty="0"/>
-              <a:t>If </a:t>
-            </a:r>
-            <a:r>
-              <a:rPr lang="en-US" sz="2400" dirty="0">
-                <a:solidFill>
-                  <a:schemeClr val="bg2"/>
-                </a:solidFill>
-              </a:rPr>
-              <a:t>solid growth </a:t>
-            </a:r>
-            <a:r>
-              <a:rPr lang="en-US" sz="2400" dirty="0"/>
-              <a:t>in the economy, bonds yield 12%; stocks 15%; time deposits 6.5%</a:t>
-            </a:r>
-          </a:p>
-          <a:p>
-            <a:pPr marL="514350" indent="-514350">
-              <a:buFont typeface="+mj-lt"/>
-              <a:buAutoNum type="arabicPeriod"/>
-            </a:pPr>
-            <a:r>
-              <a:rPr lang="en-US" sz="2400" dirty="0"/>
-              <a:t>If </a:t>
-            </a:r>
-            <a:r>
-              <a:rPr lang="en-US" sz="2400" dirty="0">
-                <a:solidFill>
-                  <a:schemeClr val="bg2"/>
-                </a:solidFill>
-              </a:rPr>
-              <a:t>stagnation</a:t>
-            </a:r>
-            <a:r>
-              <a:rPr lang="en-US" sz="2400" dirty="0"/>
-              <a:t>, bonds yield 6%; stocks 3%; time deposits 6.5%</a:t>
-            </a:r>
-          </a:p>
-          <a:p>
-            <a:pPr marL="514350" indent="-514350">
-              <a:buFont typeface="+mj-lt"/>
-              <a:buAutoNum type="arabicPeriod"/>
-            </a:pPr>
-            <a:r>
-              <a:rPr lang="en-US" sz="2400" dirty="0"/>
-              <a:t>If </a:t>
-            </a:r>
-            <a:r>
-              <a:rPr lang="en-US" sz="2400" dirty="0">
-                <a:solidFill>
-                  <a:schemeClr val="bg2"/>
-                </a:solidFill>
-              </a:rPr>
-              <a:t>inflation</a:t>
-            </a:r>
-            <a:r>
-              <a:rPr lang="en-US" sz="2400" dirty="0"/>
-              <a:t>, bonds yield 3%; stocks lose 2%; time deposits yield 6.5%</a:t>
-            </a:r>
-          </a:p>
-        </p:txBody>
-      </p:sp>
-    </p:spTree>
-    <p:extLst>
-      <p:ext uri="{BB962C8B-B14F-4D97-AF65-F5344CB8AC3E}">
-        <p14:creationId xmlns:p14="http://schemas.microsoft.com/office/powerpoint/2010/main" val="2410196935"/>
-      </p:ext>
-    </p:extLst>
-  </p:cSld>
-  <p:clrMapOvr>
-    <a:masterClrMapping/>
-  </p:clrMapOvr>
-</p:sld>
-</file>
-
-<file path=ppt/slides/slide34.xml><?xml version="1.0" encoding="utf-8"?>
 <p:sld xmlns:a="http://schemas.openxmlformats.org/drawingml/2006/main" xmlns:r="http://schemas.openxmlformats.org/officeDocument/2006/relationships" xmlns:p="http://schemas.openxmlformats.org/presentationml/2006/main">
   <p:cSld>
     <p:spTree>
@@ -19580,7 +19305,7 @@
 </p:sld>
 </file>
 
-<file path=ppt/slides/slide35.xml><?xml version="1.0" encoding="utf-8"?>
+<file path=ppt/slides/slide34.xml><?xml version="1.0" encoding="utf-8"?>
 <p:sld xmlns:a="http://schemas.openxmlformats.org/drawingml/2006/main" xmlns:r="http://schemas.openxmlformats.org/officeDocument/2006/relationships" xmlns:p="http://schemas.openxmlformats.org/presentationml/2006/main">
   <p:cSld>
     <p:spTree>
@@ -19703,7 +19428,7 @@
 </p:sld>
 </file>
 
-<file path=ppt/slides/slide36.xml><?xml version="1.0" encoding="utf-8"?>
+<file path=ppt/slides/slide35.xml><?xml version="1.0" encoding="utf-8"?>
 <p:sld xmlns:a="http://schemas.openxmlformats.org/drawingml/2006/main" xmlns:r="http://schemas.openxmlformats.org/officeDocument/2006/relationships" xmlns:p="http://schemas.openxmlformats.org/presentationml/2006/main">
   <p:cSld>
     <p:spTree>
@@ -21081,6 +20806,169 @@
 </p:sld>
 </file>
 
+<file path=ppt/slides/slide36.xml><?xml version="1.0" encoding="utf-8"?>
+<p:sld xmlns:a="http://schemas.openxmlformats.org/drawingml/2006/main" xmlns:r="http://schemas.openxmlformats.org/officeDocument/2006/relationships" xmlns:p="http://schemas.openxmlformats.org/presentationml/2006/main">
+  <p:cSld>
+    <p:spTree>
+      <p:nvGrpSpPr>
+        <p:cNvPr id="1" name=""/>
+        <p:cNvGrpSpPr/>
+        <p:nvPr/>
+      </p:nvGrpSpPr>
+      <p:grpSpPr>
+        <a:xfrm>
+          <a:off x="0" y="0"/>
+          <a:ext cx="0" cy="0"/>
+          <a:chOff x="0" y="0"/>
+          <a:chExt cx="0" cy="0"/>
+        </a:xfrm>
+      </p:grpSpPr>
+      <p:sp>
+        <p:nvSpPr>
+          <p:cNvPr id="2" name="Title 1"/>
+          <p:cNvSpPr>
+            <a:spLocks noGrp="1"/>
+          </p:cNvSpPr>
+          <p:nvPr>
+            <p:ph type="title"/>
+          </p:nvPr>
+        </p:nvSpPr>
+        <p:spPr>
+          <a:xfrm>
+            <a:off x="457200" y="66675"/>
+            <a:ext cx="8153400" cy="553998"/>
+          </a:xfrm>
+        </p:spPr>
+        <p:txBody>
+          <a:bodyPr wrap="square">
+            <a:spAutoFit/>
+          </a:bodyPr>
+          <a:lstStyle/>
+          <a:p>
+            <a:r>
+              <a:rPr lang="en-IN" sz="3600" dirty="0">
+                <a:latin typeface="+mj-lt"/>
+              </a:rPr>
+              <a:t>Decision Trees</a:t>
+            </a:r>
+            <a:endParaRPr lang="en-US" sz="3600" dirty="0">
+              <a:latin typeface="+mj-lt"/>
+            </a:endParaRPr>
+          </a:p>
+        </p:txBody>
+      </p:sp>
+      <p:sp>
+        <p:nvSpPr>
+          <p:cNvPr id="5" name="Content Placeholder 4"/>
+          <p:cNvSpPr>
+            <a:spLocks noGrp="1"/>
+          </p:cNvSpPr>
+          <p:nvPr>
+            <p:ph idx="13"/>
+          </p:nvPr>
+        </p:nvSpPr>
+        <p:spPr>
+          <a:xfrm>
+            <a:off x="457200" y="990600"/>
+            <a:ext cx="8153400" cy="3954929"/>
+          </a:xfrm>
+        </p:spPr>
+        <p:txBody>
+          <a:bodyPr wrap="square">
+            <a:spAutoFit/>
+          </a:bodyPr>
+          <a:lstStyle/>
+          <a:p>
+            <a:r>
+              <a:rPr lang="en-US" sz="2400" dirty="0"/>
+              <a:t>Graphical representation of relationships</a:t>
+            </a:r>
+          </a:p>
+          <a:p>
+            <a:r>
+              <a:rPr lang="en-US" sz="2400" dirty="0"/>
+              <a:t>Multiple criteria approach</a:t>
+            </a:r>
+          </a:p>
+          <a:p>
+            <a:r>
+              <a:rPr lang="en-US" sz="2400" dirty="0"/>
+              <a:t>Demonstrates complex relationships</a:t>
+            </a:r>
+          </a:p>
+          <a:p>
+            <a:r>
+              <a:rPr lang="en-US" sz="2400" dirty="0"/>
+              <a:t>Cumbersome, if many alternatives exists</a:t>
+            </a:r>
+          </a:p>
+          <a:p>
+            <a:r>
+              <a:rPr lang="en-US" sz="2400" dirty="0"/>
+              <a:t>Tools include</a:t>
+            </a:r>
+          </a:p>
+          <a:p>
+            <a:pPr marL="829818" lvl="1" indent="-342900"/>
+            <a:r>
+              <a:rPr lang="en-US" sz="2400" dirty="0"/>
+              <a:t>Mind Tools Ltd., </a:t>
+            </a:r>
+            <a:r>
+              <a:rPr lang="en-US" sz="2400" dirty="0">
+                <a:hlinkClick r:id="rId3" action="ppaction://hlinkfile" tooltip="mindtools.com"/>
+              </a:rPr>
+              <a:t>mindtools.com</a:t>
+            </a:r>
+            <a:endParaRPr lang="en-US" sz="2400" dirty="0"/>
+          </a:p>
+          <a:p>
+            <a:pPr marL="829818" lvl="1" indent="-342900"/>
+            <a:r>
+              <a:rPr lang="en-US" sz="2400" dirty="0" err="1"/>
+              <a:t>TreeAge</a:t>
+            </a:r>
+            <a:r>
+              <a:rPr lang="en-US" sz="2400" dirty="0"/>
+              <a:t> Software Inc., </a:t>
+            </a:r>
+            <a:r>
+              <a:rPr lang="en-US" sz="2400" dirty="0">
+                <a:hlinkClick r:id="rId4" action="ppaction://hlinkfile" tooltip="treeage.com"/>
+              </a:rPr>
+              <a:t>treeage.com</a:t>
+            </a:r>
+            <a:endParaRPr lang="en-US" sz="2400" dirty="0"/>
+          </a:p>
+          <a:p>
+            <a:pPr marL="829818" lvl="1" indent="-342900"/>
+            <a:r>
+              <a:rPr lang="en-US" sz="2400" dirty="0"/>
+              <a:t>Palisade Corp., </a:t>
+            </a:r>
+            <a:r>
+              <a:rPr lang="en-US" sz="2400" dirty="0">
+                <a:hlinkClick r:id="rId5" action="ppaction://hlinkfile" tooltip="palisade.com"/>
+              </a:rPr>
+              <a:t>palisade.com</a:t>
+            </a:r>
+            <a:endParaRPr lang="en-US" sz="2400" dirty="0"/>
+          </a:p>
+        </p:txBody>
+      </p:sp>
+    </p:spTree>
+    <p:extLst>
+      <p:ext uri="{BB962C8B-B14F-4D97-AF65-F5344CB8AC3E}">
+        <p14:creationId xmlns:p14="http://schemas.microsoft.com/office/powerpoint/2010/main" val="2410196935"/>
+      </p:ext>
+    </p:extLst>
+  </p:cSld>
+  <p:clrMapOvr>
+    <a:masterClrMapping/>
+  </p:clrMapOvr>
+</p:sld>
+</file>
+
 <file path=ppt/slides/slide37.xml><?xml version="1.0" encoding="utf-8"?>
 <p:sld xmlns:a="http://schemas.openxmlformats.org/drawingml/2006/main" xmlns:r="http://schemas.openxmlformats.org/officeDocument/2006/relationships" xmlns:p="http://schemas.openxmlformats.org/presentationml/2006/main">
   <p:cSld>
@@ -21124,7 +21012,7 @@
               <a:rPr lang="en-IN" sz="3600" dirty="0">
                 <a:latin typeface="+mj-lt"/>
               </a:rPr>
-              <a:t>Decision Trees</a:t>
+              <a:t>Simulation</a:t>
             </a:r>
             <a:endParaRPr lang="en-US" sz="3600" dirty="0">
               <a:latin typeface="+mj-lt"/>
@@ -21145,7 +21033,7 @@
         <p:spPr>
           <a:xfrm>
             <a:off x="457200" y="990600"/>
-            <a:ext cx="8153400" cy="3954929"/>
+            <a:ext cx="8153400" cy="3531736"/>
           </a:xfrm>
         </p:spPr>
         <p:txBody>
@@ -21156,78 +21044,50 @@
           <a:p>
             <a:r>
               <a:rPr lang="en-US" sz="2400" dirty="0"/>
-              <a:t>Graphical representation of relationships</a:t>
+              <a:t>Simulation is the “appearance” of reality</a:t>
             </a:r>
           </a:p>
           <a:p>
             <a:r>
               <a:rPr lang="en-US" sz="2400" dirty="0"/>
-              <a:t>Multiple criteria approach</a:t>
+              <a:t>It is often used to conduct what-if analysis on the model of the actual system</a:t>
             </a:r>
           </a:p>
           <a:p>
             <a:r>
               <a:rPr lang="en-US" sz="2400" dirty="0"/>
-              <a:t>Demonstrates complex relationships</a:t>
-            </a:r>
-          </a:p>
-          <a:p>
+              <a:t>It is a popular </a:t>
+            </a:r>
+            <a:r>
+              <a:rPr lang="en-US" sz="2400" spc="-300" dirty="0"/>
+              <a:t>D S </a:t>
+            </a:r>
+            <a:r>
+              <a:rPr lang="en-US" sz="2400" dirty="0" err="1"/>
+              <a:t>S</a:t>
+            </a:r>
             <a:r>
               <a:rPr lang="en-US" sz="2400" dirty="0"/>
-              <a:t>Cumbersome, if many alternatives exists</a:t>
+              <a:t> technique for conducting experiments with a computer on a comprehensive model of the system to assess its dynamic behavior</a:t>
             </a:r>
           </a:p>
           <a:p>
             <a:r>
               <a:rPr lang="en-US" sz="2400" dirty="0"/>
-              <a:t>Tools include</a:t>
-            </a:r>
-          </a:p>
-          <a:p>
-            <a:pPr marL="829818" lvl="1" indent="-342900"/>
+              <a:t>Often used when the system is too complex for other </a:t>
+            </a:r>
+            <a:r>
+              <a:rPr lang="en-US" sz="2400" spc="-300" dirty="0"/>
+              <a:t>D S </a:t>
+            </a:r>
+            <a:r>
+              <a:rPr lang="en-US" sz="2400" dirty="0" err="1"/>
+              <a:t>S</a:t>
+            </a:r>
             <a:r>
               <a:rPr lang="en-US" sz="2400" dirty="0"/>
-              <a:t>Mind Tools Ltd., </a:t>
-            </a:r>
-            <a:r>
-              <a:rPr lang="en-US" sz="2400" dirty="0">
-                <a:hlinkClick r:id="rId3" action="ppaction://hlinkfile" tooltip="mindtools.com"/>
-              </a:rPr>
-              <a:t>mindtools.com</a:t>
-            </a:r>
-            <a:endParaRPr lang="en-US" sz="2400" dirty="0"/>
-          </a:p>
-          <a:p>
-            <a:pPr marL="829818" lvl="1" indent="-342900"/>
-            <a:r>
-              <a:rPr lang="en-US" sz="2400" dirty="0" err="1"/>
-              <a:t>TreeAge</a:t>
-            </a:r>
-            <a:r>
-              <a:rPr lang="en-US" sz="2400" dirty="0"/>
-              <a:t> Software Inc., </a:t>
-            </a:r>
-            <a:r>
-              <a:rPr lang="en-US" sz="2400" dirty="0">
-                <a:hlinkClick r:id="rId4" action="ppaction://hlinkfile" tooltip="treeage.com"/>
-              </a:rPr>
-              <a:t>treeage.com</a:t>
-            </a:r>
-            <a:endParaRPr lang="en-US" sz="2400" dirty="0"/>
-          </a:p>
-          <a:p>
-            <a:pPr marL="829818" lvl="1" indent="-342900"/>
-            <a:r>
-              <a:rPr lang="en-US" sz="2400" dirty="0"/>
-              <a:t>Palisade Corp., </a:t>
-            </a:r>
-            <a:r>
-              <a:rPr lang="en-US" sz="2400" dirty="0">
-                <a:hlinkClick r:id="rId5" action="ppaction://hlinkfile" tooltip="palisade.com"/>
-              </a:rPr>
-              <a:t>palisade.com</a:t>
-            </a:r>
-            <a:endParaRPr lang="en-US" sz="2400" dirty="0"/>
+              <a:t> techniques </a:t>
+            </a:r>
           </a:p>
         </p:txBody>
       </p:sp>
@@ -21287,7 +21147,7 @@
               <a:rPr lang="en-IN" sz="3600" dirty="0">
                 <a:latin typeface="+mj-lt"/>
               </a:rPr>
-              <a:t>Simulation</a:t>
+              <a:t>Major Characteristics of Simulation</a:t>
             </a:r>
             <a:endParaRPr lang="en-US" sz="3600" dirty="0">
               <a:latin typeface="+mj-lt"/>
@@ -21308,7 +21168,7 @@
         <p:spPr>
           <a:xfrm>
             <a:off x="457200" y="990600"/>
-            <a:ext cx="8153400" cy="3531736"/>
+            <a:ext cx="8153400" cy="4285789"/>
           </a:xfrm>
         </p:spPr>
         <p:txBody>
@@ -21318,50 +21178,62 @@
           <a:lstStyle/>
           <a:p>
             <a:r>
+              <a:rPr lang="en-US" sz="2400" dirty="0">
+                <a:solidFill>
+                  <a:schemeClr val="bg2"/>
+                </a:solidFill>
+              </a:rPr>
+              <a:t>Imitates</a:t>
+            </a:r>
+            <a:r>
               <a:rPr lang="en-US" sz="2400" dirty="0"/>
-              <a:t>Simulation is the “appearance” of reality</a:t>
+              <a:t> reality and captures its richness both in shape and behavior</a:t>
             </a:r>
           </a:p>
           <a:p>
             <a:r>
               <a:rPr lang="en-US" sz="2400" dirty="0"/>
-              <a:t>It is often used to conduct what-if analysis on the model of the actual system</a:t>
+              <a:t>“Represent” versus “Imitate”</a:t>
             </a:r>
           </a:p>
           <a:p>
             <a:r>
               <a:rPr lang="en-US" sz="2400" dirty="0"/>
-              <a:t>It is a popular </a:t>
-            </a:r>
-            <a:r>
-              <a:rPr lang="en-US" sz="2400" spc="-300" dirty="0"/>
-              <a:t>D S </a:t>
-            </a:r>
-            <a:r>
-              <a:rPr lang="en-US" sz="2400" dirty="0" err="1"/>
-              <a:t>S</a:t>
+              <a:t>Technique for </a:t>
+            </a:r>
+            <a:r>
+              <a:rPr lang="en-US" sz="2400" dirty="0">
+                <a:solidFill>
+                  <a:schemeClr val="bg2"/>
+                </a:solidFill>
+              </a:rPr>
+              <a:t>conducting experiments</a:t>
+            </a:r>
+          </a:p>
+          <a:p>
+            <a:r>
+              <a:rPr lang="en-US" sz="2400" dirty="0">
+                <a:solidFill>
+                  <a:schemeClr val="bg2"/>
+                </a:solidFill>
+              </a:rPr>
+              <a:t>Descriptive</a:t>
             </a:r>
             <a:r>
               <a:rPr lang="en-US" sz="2400" dirty="0"/>
-              <a:t> technique for conducting experiments with a computer on a comprehensive model of the system to assess its dynamic behavior</a:t>
+              <a:t>, not normative tool</a:t>
             </a:r>
           </a:p>
           <a:p>
             <a:r>
               <a:rPr lang="en-US" sz="2400" dirty="0"/>
-              <a:t>Often used when the system is too complex for other </a:t>
-            </a:r>
-            <a:r>
-              <a:rPr lang="en-US" sz="2400" spc="-300" dirty="0"/>
-              <a:t>D S </a:t>
-            </a:r>
-            <a:r>
-              <a:rPr lang="en-US" sz="2400" dirty="0" err="1"/>
-              <a:t>S</a:t>
-            </a:r>
+              <a:t>Often to “solve” [i.e., analyze] very complex systems/problems</a:t>
+            </a:r>
+          </a:p>
+          <a:p>
             <a:r>
               <a:rPr lang="en-US" sz="2400" dirty="0"/>
-              <a:t> techniques </a:t>
+              <a:t>Simulation should be used only when a numerical optimization is not possible</a:t>
             </a:r>
           </a:p>
         </p:txBody>
@@ -21422,7 +21294,7 @@
               <a:rPr lang="en-IN" sz="3600" dirty="0">
                 <a:latin typeface="+mj-lt"/>
               </a:rPr>
-              <a:t>Major Characteristics of Simulation</a:t>
+              <a:t>Advantages of Simulation</a:t>
             </a:r>
             <a:endParaRPr lang="en-US" sz="3600" dirty="0">
               <a:latin typeface="+mj-lt"/>
@@ -21443,7 +21315,7 @@
         <p:spPr>
           <a:xfrm>
             <a:off x="457200" y="990600"/>
-            <a:ext cx="8153400" cy="4285789"/>
+            <a:ext cx="8153400" cy="4301177"/>
           </a:xfrm>
         </p:spPr>
         <p:txBody>
@@ -21453,62 +21325,50 @@
           <a:lstStyle/>
           <a:p>
             <a:r>
-              <a:rPr lang="en-US" sz="2400" dirty="0">
-                <a:solidFill>
-                  <a:schemeClr val="bg2"/>
-                </a:solidFill>
-              </a:rPr>
-              <a:t>Imitates</a:t>
-            </a:r>
-            <a:r>
               <a:rPr lang="en-US" sz="2400" dirty="0"/>
-              <a:t> reality and captures its richness both in shape and behavior</a:t>
+              <a:t>The theory is fairly straightforward</a:t>
             </a:r>
           </a:p>
           <a:p>
             <a:r>
               <a:rPr lang="en-US" sz="2400" dirty="0"/>
-              <a:t>“Represent” versus “Imitate”</a:t>
+              <a:t>Great deal of time compression</a:t>
             </a:r>
           </a:p>
           <a:p>
             <a:r>
               <a:rPr lang="en-US" sz="2400" dirty="0"/>
-              <a:t>Technique for </a:t>
-            </a:r>
-            <a:r>
-              <a:rPr lang="en-US" sz="2400" dirty="0">
-                <a:solidFill>
-                  <a:schemeClr val="bg2"/>
-                </a:solidFill>
-              </a:rPr>
-              <a:t>conducting experiments</a:t>
-            </a:r>
-          </a:p>
-          <a:p>
-            <a:r>
-              <a:rPr lang="en-US" sz="2400" dirty="0">
-                <a:solidFill>
-                  <a:schemeClr val="bg2"/>
-                </a:solidFill>
-              </a:rPr>
-              <a:t>Descriptive</a:t>
-            </a:r>
+              <a:t>Experiment with different alternatives</a:t>
+            </a:r>
+          </a:p>
+          <a:p>
             <a:r>
               <a:rPr lang="en-US" sz="2400" dirty="0"/>
-              <a:t>, not normative tool</a:t>
+              <a:t>The model reflects manager’s perspective</a:t>
             </a:r>
           </a:p>
           <a:p>
             <a:r>
               <a:rPr lang="en-US" sz="2400" dirty="0"/>
-              <a:t>Often to “solve” [i.e., analyze] very complex systems/problems</a:t>
+              <a:t>Can handle wide variety of problem types </a:t>
             </a:r>
           </a:p>
           <a:p>
             <a:r>
               <a:rPr lang="en-US" sz="2400" dirty="0"/>
-              <a:t>Simulation should be used only when a numerical optimization is not possible</a:t>
+              <a:t>Can include the real complexities of problems </a:t>
+            </a:r>
+          </a:p>
+          <a:p>
+            <a:r>
+              <a:rPr lang="en-US" sz="2400" dirty="0"/>
+              <a:t>Produces important performance measures</a:t>
+            </a:r>
+          </a:p>
+          <a:p>
+            <a:r>
+              <a:rPr lang="en-US" sz="2400" dirty="0"/>
+              <a:t>…</a:t>
             </a:r>
           </a:p>
         </p:txBody>
@@ -21703,7 +21563,7 @@
               <a:rPr lang="en-IN" sz="3600" dirty="0">
                 <a:latin typeface="+mj-lt"/>
               </a:rPr>
-              <a:t>Advantages of Simulation</a:t>
+              <a:t>Disadvantages of Simulation</a:t>
             </a:r>
             <a:endParaRPr lang="en-US" sz="3600" dirty="0">
               <a:latin typeface="+mj-lt"/>
@@ -21724,7 +21584,7 @@
         <p:spPr>
           <a:xfrm>
             <a:off x="457200" y="990600"/>
-            <a:ext cx="8153400" cy="4301177"/>
+            <a:ext cx="8153400" cy="3354765"/>
           </a:xfrm>
         </p:spPr>
         <p:txBody>
@@ -21735,49 +21595,31 @@
           <a:p>
             <a:r>
               <a:rPr lang="en-US" sz="2400" dirty="0"/>
-              <a:t>The theory is fairly straightforward</a:t>
+              <a:t>Cannot guarantee an optimal solution</a:t>
             </a:r>
           </a:p>
           <a:p>
             <a:r>
               <a:rPr lang="en-US" sz="2400" dirty="0"/>
-              <a:t>Great deal of time compression</a:t>
+              <a:t>Slow and costly construction process</a:t>
             </a:r>
           </a:p>
           <a:p>
             <a:r>
               <a:rPr lang="en-US" sz="2400" dirty="0"/>
-              <a:t>Experiment with different alternatives</a:t>
+              <a:t>Cannot transfer solutions and inferences to solve other problems (problem specific)</a:t>
             </a:r>
           </a:p>
           <a:p>
             <a:r>
               <a:rPr lang="en-US" sz="2400" dirty="0"/>
-              <a:t>The model reflects manager’s perspective</a:t>
+              <a:t>So easy to explain/sell to managers, may lead to overlooking analytical solutions</a:t>
             </a:r>
           </a:p>
           <a:p>
             <a:r>
               <a:rPr lang="en-US" sz="2400" dirty="0"/>
-              <a:t>Can handle wide variety of problem types </a:t>
-            </a:r>
-          </a:p>
-          <a:p>
-            <a:r>
-              <a:rPr lang="en-US" sz="2400" dirty="0"/>
-              <a:t>Can include the real complexities of problems </a:t>
-            </a:r>
-          </a:p>
-          <a:p>
-            <a:r>
-              <a:rPr lang="en-US" sz="2400" dirty="0"/>
-              <a:t>Produces important performance measures</a:t>
-            </a:r>
-          </a:p>
-          <a:p>
-            <a:r>
-              <a:rPr lang="en-US" sz="2400" dirty="0"/>
-              <a:t>…</a:t>
+              <a:t>Software may require special skills</a:t>
             </a:r>
           </a:p>
         </p:txBody>
@@ -21796,123 +21638,6 @@
 </file>
 
 <file path=ppt/slides/slide41.xml><?xml version="1.0" encoding="utf-8"?>
-<p:sld xmlns:a="http://schemas.openxmlformats.org/drawingml/2006/main" xmlns:r="http://schemas.openxmlformats.org/officeDocument/2006/relationships" xmlns:p="http://schemas.openxmlformats.org/presentationml/2006/main">
-  <p:cSld>
-    <p:spTree>
-      <p:nvGrpSpPr>
-        <p:cNvPr id="1" name=""/>
-        <p:cNvGrpSpPr/>
-        <p:nvPr/>
-      </p:nvGrpSpPr>
-      <p:grpSpPr>
-        <a:xfrm>
-          <a:off x="0" y="0"/>
-          <a:ext cx="0" cy="0"/>
-          <a:chOff x="0" y="0"/>
-          <a:chExt cx="0" cy="0"/>
-        </a:xfrm>
-      </p:grpSpPr>
-      <p:sp>
-        <p:nvSpPr>
-          <p:cNvPr id="2" name="Title 1"/>
-          <p:cNvSpPr>
-            <a:spLocks noGrp="1"/>
-          </p:cNvSpPr>
-          <p:nvPr>
-            <p:ph type="title"/>
-          </p:nvPr>
-        </p:nvSpPr>
-        <p:spPr>
-          <a:xfrm>
-            <a:off x="457200" y="66675"/>
-            <a:ext cx="8153400" cy="553998"/>
-          </a:xfrm>
-        </p:spPr>
-        <p:txBody>
-          <a:bodyPr wrap="square">
-            <a:spAutoFit/>
-          </a:bodyPr>
-          <a:lstStyle/>
-          <a:p>
-            <a:r>
-              <a:rPr lang="en-IN" sz="3600" dirty="0">
-                <a:latin typeface="+mj-lt"/>
-              </a:rPr>
-              <a:t>Disadvantages of Simulation</a:t>
-            </a:r>
-            <a:endParaRPr lang="en-US" sz="3600" dirty="0">
-              <a:latin typeface="+mj-lt"/>
-            </a:endParaRPr>
-          </a:p>
-        </p:txBody>
-      </p:sp>
-      <p:sp>
-        <p:nvSpPr>
-          <p:cNvPr id="5" name="Content Placeholder 4"/>
-          <p:cNvSpPr>
-            <a:spLocks noGrp="1"/>
-          </p:cNvSpPr>
-          <p:nvPr>
-            <p:ph idx="13"/>
-          </p:nvPr>
-        </p:nvSpPr>
-        <p:spPr>
-          <a:xfrm>
-            <a:off x="457200" y="990600"/>
-            <a:ext cx="8153400" cy="3354765"/>
-          </a:xfrm>
-        </p:spPr>
-        <p:txBody>
-          <a:bodyPr wrap="square">
-            <a:spAutoFit/>
-          </a:bodyPr>
-          <a:lstStyle/>
-          <a:p>
-            <a:r>
-              <a:rPr lang="en-US" sz="2400" dirty="0"/>
-              <a:t>Cannot guarantee an optimal solution</a:t>
-            </a:r>
-          </a:p>
-          <a:p>
-            <a:r>
-              <a:rPr lang="en-US" sz="2400" dirty="0"/>
-              <a:t>Slow and costly construction process</a:t>
-            </a:r>
-          </a:p>
-          <a:p>
-            <a:r>
-              <a:rPr lang="en-US" sz="2400" dirty="0"/>
-              <a:t>Cannot transfer solutions and inferences to solve other problems (problem specific)</a:t>
-            </a:r>
-          </a:p>
-          <a:p>
-            <a:r>
-              <a:rPr lang="en-US" sz="2400" dirty="0"/>
-              <a:t>So easy to explain/sell to managers, may lead to overlooking analytical solutions</a:t>
-            </a:r>
-          </a:p>
-          <a:p>
-            <a:r>
-              <a:rPr lang="en-US" sz="2400" dirty="0"/>
-              <a:t>Software may require special skills</a:t>
-            </a:r>
-          </a:p>
-        </p:txBody>
-      </p:sp>
-    </p:spTree>
-    <p:extLst>
-      <p:ext uri="{BB962C8B-B14F-4D97-AF65-F5344CB8AC3E}">
-        <p14:creationId xmlns:p14="http://schemas.microsoft.com/office/powerpoint/2010/main" val="2410196935"/>
-      </p:ext>
-    </p:extLst>
-  </p:cSld>
-  <p:clrMapOvr>
-    <a:masterClrMapping/>
-  </p:clrMapOvr>
-</p:sld>
-</file>
-
-<file path=ppt/slides/slide42.xml><?xml version="1.0" encoding="utf-8"?>
 <p:sld xmlns:a="http://schemas.openxmlformats.org/drawingml/2006/main" xmlns:r="http://schemas.openxmlformats.org/officeDocument/2006/relationships" xmlns:p="http://schemas.openxmlformats.org/presentationml/2006/main">
   <p:cSld>
     <p:spTree>
@@ -22194,6 +21919,138 @@
 </p:sld>
 </file>
 
+<file path=ppt/slides/slide42.xml><?xml version="1.0" encoding="utf-8"?>
+<p:sld xmlns:a="http://schemas.openxmlformats.org/drawingml/2006/main" xmlns:r="http://schemas.openxmlformats.org/officeDocument/2006/relationships" xmlns:p="http://schemas.openxmlformats.org/presentationml/2006/main">
+  <p:cSld>
+    <p:spTree>
+      <p:nvGrpSpPr>
+        <p:cNvPr id="1" name=""/>
+        <p:cNvGrpSpPr/>
+        <p:nvPr/>
+      </p:nvGrpSpPr>
+      <p:grpSpPr>
+        <a:xfrm>
+          <a:off x="0" y="0"/>
+          <a:ext cx="0" cy="0"/>
+          <a:chOff x="0" y="0"/>
+          <a:chExt cx="0" cy="0"/>
+        </a:xfrm>
+      </p:grpSpPr>
+      <p:sp>
+        <p:nvSpPr>
+          <p:cNvPr id="2" name="Title 1"/>
+          <p:cNvSpPr>
+            <a:spLocks noGrp="1"/>
+          </p:cNvSpPr>
+          <p:nvPr>
+            <p:ph type="title"/>
+          </p:nvPr>
+        </p:nvSpPr>
+        <p:spPr>
+          <a:xfrm>
+            <a:off x="457200" y="66675"/>
+            <a:ext cx="8153400" cy="553998"/>
+          </a:xfrm>
+        </p:spPr>
+        <p:txBody>
+          <a:bodyPr wrap="square">
+            <a:spAutoFit/>
+          </a:bodyPr>
+          <a:lstStyle/>
+          <a:p>
+            <a:r>
+              <a:rPr lang="en-IN" sz="3600" dirty="0">
+                <a:latin typeface="+mj-lt"/>
+              </a:rPr>
+              <a:t>Simulation Types</a:t>
+            </a:r>
+            <a:endParaRPr lang="en-US" sz="3600" dirty="0">
+              <a:latin typeface="+mj-lt"/>
+            </a:endParaRPr>
+          </a:p>
+        </p:txBody>
+      </p:sp>
+      <p:sp>
+        <p:nvSpPr>
+          <p:cNvPr id="5" name="Content Placeholder 4"/>
+          <p:cNvSpPr>
+            <a:spLocks noGrp="1"/>
+          </p:cNvSpPr>
+          <p:nvPr>
+            <p:ph idx="13"/>
+          </p:nvPr>
+        </p:nvSpPr>
+        <p:spPr>
+          <a:xfrm>
+            <a:off x="457200" y="762000"/>
+            <a:ext cx="8153400" cy="3762568"/>
+          </a:xfrm>
+        </p:spPr>
+        <p:txBody>
+          <a:bodyPr wrap="square">
+            <a:spAutoFit/>
+          </a:bodyPr>
+          <a:lstStyle/>
+          <a:p>
+            <a:r>
+              <a:rPr lang="en-US" sz="2400" dirty="0"/>
+              <a:t>Probabilistic/Stochastic vs. Deterministic Simulation</a:t>
+            </a:r>
+          </a:p>
+          <a:p>
+            <a:pPr marL="829818" lvl="1" indent="-342900"/>
+            <a:r>
+              <a:rPr lang="en-US" sz="2400" dirty="0"/>
+              <a:t>Uses probability distributions</a:t>
+            </a:r>
+          </a:p>
+          <a:p>
+            <a:r>
+              <a:rPr lang="en-US" sz="2400" dirty="0"/>
+              <a:t>Time-dependent vs. Time-independent Simulation</a:t>
+            </a:r>
+          </a:p>
+          <a:p>
+            <a:pPr marL="829818" lvl="1" indent="-342900"/>
+            <a:r>
+              <a:rPr lang="en-US" sz="2400" dirty="0"/>
+              <a:t>Monte Carlo technique (X = A + B)                              [A, B, and X are all distributions]</a:t>
+            </a:r>
+          </a:p>
+          <a:p>
+            <a:r>
+              <a:rPr lang="en-US" sz="2400" dirty="0"/>
+              <a:t>Discrete Event vs. Continuous Simulation</a:t>
+            </a:r>
+          </a:p>
+          <a:p>
+            <a:r>
+              <a:rPr lang="en-US" sz="2400" dirty="0"/>
+              <a:t>Simulation Implementation </a:t>
+            </a:r>
+          </a:p>
+          <a:p>
+            <a:pPr marL="829818" lvl="1" indent="-342900"/>
+            <a:r>
+              <a:rPr lang="en-US" sz="2400" dirty="0"/>
+              <a:t>Visual Simulation and/or Object-Oriented Simulation</a:t>
+            </a:r>
+          </a:p>
+        </p:txBody>
+      </p:sp>
+    </p:spTree>
+    <p:extLst>
+      <p:ext uri="{BB962C8B-B14F-4D97-AF65-F5344CB8AC3E}">
+        <p14:creationId xmlns:p14="http://schemas.microsoft.com/office/powerpoint/2010/main" val="2410196935"/>
+      </p:ext>
+    </p:extLst>
+  </p:cSld>
+  <p:clrMapOvr>
+    <a:masterClrMapping/>
+  </p:clrMapOvr>
+</p:sld>
+</file>
+
 <file path=ppt/slides/slide43.xml><?xml version="1.0" encoding="utf-8"?>
 <p:sld xmlns:a="http://schemas.openxmlformats.org/drawingml/2006/main" xmlns:r="http://schemas.openxmlformats.org/officeDocument/2006/relationships" xmlns:p="http://schemas.openxmlformats.org/presentationml/2006/main">
   <p:cSld>
@@ -22223,7 +22080,7 @@
         </p:nvSpPr>
         <p:spPr>
           <a:xfrm>
-            <a:off x="457200" y="66675"/>
+            <a:off x="457200" y="82379"/>
             <a:ext cx="8153400" cy="553998"/>
           </a:xfrm>
         </p:spPr>
@@ -22234,20 +22091,17 @@
           <a:lstStyle/>
           <a:p>
             <a:r>
-              <a:rPr lang="en-IN" sz="3600" dirty="0">
+              <a:rPr lang="en-US" sz="3600" dirty="0">
                 <a:latin typeface="+mj-lt"/>
               </a:rPr>
-              <a:t>Simulation Types</a:t>
-            </a:r>
-            <a:endParaRPr lang="en-US" sz="3600" dirty="0">
-              <a:latin typeface="+mj-lt"/>
-            </a:endParaRPr>
-          </a:p>
-        </p:txBody>
-      </p:sp>
-      <p:sp>
-        <p:nvSpPr>
-          <p:cNvPr id="5" name="Content Placeholder 4"/>
+              <a:t>Application Case 8.8</a:t>
+            </a:r>
+          </a:p>
+        </p:txBody>
+      </p:sp>
+      <p:sp>
+        <p:nvSpPr>
+          <p:cNvPr id="4" name="Content Placeholder 2"/>
           <p:cNvSpPr>
             <a:spLocks noGrp="1"/>
           </p:cNvSpPr>
@@ -22257,8 +22111,8 @@
         </p:nvSpPr>
         <p:spPr>
           <a:xfrm>
-            <a:off x="457200" y="762000"/>
-            <a:ext cx="8153400" cy="3762568"/>
+            <a:off x="457200" y="719984"/>
+            <a:ext cx="8153400" cy="861774"/>
           </a:xfrm>
         </p:spPr>
         <p:txBody>
@@ -22267,48 +22121,94 @@
           </a:bodyPr>
           <a:lstStyle/>
           <a:p>
+            <a:pPr marL="0" lvl="0" indent="0">
+              <a:spcBef>
+                <a:spcPts val="0"/>
+              </a:spcBef>
+              <a:buClr>
+                <a:schemeClr val="lt1"/>
+              </a:buClr>
+              <a:buSzPct val="25000"/>
+              <a:buNone/>
+              <a:tabLst>
+                <a:tab pos="628650" algn="l"/>
+              </a:tabLst>
+            </a:pPr>
+            <a:r>
+              <a:rPr lang="en-US" sz="2800" b="1" dirty="0" err="1">
+                <a:solidFill>
+                  <a:srgbClr val="007FA3"/>
+                </a:solidFill>
+              </a:rPr>
+              <a:t>Cosan</a:t>
+            </a:r>
+            <a:r>
+              <a:rPr lang="en-US" sz="2800" b="1" dirty="0">
+                <a:solidFill>
+                  <a:srgbClr val="007FA3"/>
+                </a:solidFill>
+              </a:rPr>
+              <a:t> Improves Its Renewable Energy Supply Chain Using Simulation</a:t>
+            </a:r>
+            <a:endParaRPr lang="en-US" sz="2800" b="1" dirty="0">
+              <a:solidFill>
+                <a:srgbClr val="007FA3"/>
+              </a:solidFill>
+              <a:latin typeface="+mj-lt"/>
+              <a:ea typeface="+mj-ea"/>
+              <a:cs typeface="Times New Roman" panose="02020603050405020304" pitchFamily="18" charset="0"/>
+            </a:endParaRPr>
+          </a:p>
+        </p:txBody>
+      </p:sp>
+      <p:sp>
+        <p:nvSpPr>
+          <p:cNvPr id="6" name="Content Placeholder 4"/>
+          <p:cNvSpPr>
+            <a:spLocks noGrp="1"/>
+          </p:cNvSpPr>
+          <p:nvPr>
+            <p:ph idx="13"/>
+          </p:nvPr>
+        </p:nvSpPr>
+        <p:spPr>
+          <a:xfrm>
+            <a:off x="457200" y="1752600"/>
+            <a:ext cx="8153400" cy="2600712"/>
+          </a:xfrm>
+        </p:spPr>
+        <p:txBody>
+          <a:bodyPr wrap="square">
+            <a:spAutoFit/>
+          </a:bodyPr>
+          <a:lstStyle/>
+          <a:p>
+            <a:pPr marL="0" indent="0">
+              <a:buNone/>
+            </a:pPr>
+            <a:r>
+              <a:rPr lang="en-US" sz="2400" b="1" dirty="0"/>
+              <a:t>Questions for Discussion:</a:t>
+            </a:r>
+          </a:p>
+          <a:p>
+            <a:pPr marL="457200" indent="-457200">
+              <a:buFont typeface="+mj-lt"/>
+              <a:buAutoNum type="arabicPeriod"/>
+            </a:pPr>
             <a:r>
               <a:rPr lang="en-US" sz="2400" dirty="0"/>
-              <a:t>Probabilistic/Stochastic vs. Deterministic Simulation</a:t>
-            </a:r>
-          </a:p>
-          <a:p>
-            <a:pPr marL="829818" lvl="1" indent="-342900"/>
+              <a:t>What type of supply chain disruptions might occur in moving the sugar cane from the field to the production plants to develop sugar and ethanol?</a:t>
+            </a:r>
+          </a:p>
+          <a:p>
+            <a:pPr marL="457200" indent="-457200">
+              <a:buFont typeface="+mj-lt"/>
+              <a:buAutoNum type="arabicPeriod"/>
+            </a:pPr>
             <a:r>
               <a:rPr lang="en-US" sz="2400" dirty="0"/>
-              <a:t>Uses probability distributions</a:t>
-            </a:r>
-          </a:p>
-          <a:p>
-            <a:r>
-              <a:rPr lang="en-US" sz="2400" dirty="0"/>
-              <a:t>Time-dependent vs. Time-independent Simulation</a:t>
-            </a:r>
-          </a:p>
-          <a:p>
-            <a:pPr marL="829818" lvl="1" indent="-342900"/>
-            <a:r>
-              <a:rPr lang="en-US" sz="2400" dirty="0"/>
-              <a:t>Monte Carlo technique (X = A + B)                              [A, B, and X are all distributions]</a:t>
-            </a:r>
-          </a:p>
-          <a:p>
-            <a:r>
-              <a:rPr lang="en-US" sz="2400" dirty="0"/>
-              <a:t>Discrete Event vs. Continuous Simulation</a:t>
-            </a:r>
-          </a:p>
-          <a:p>
-            <a:r>
-              <a:rPr lang="en-US" sz="2400" dirty="0"/>
-              <a:t>Simulation Implementation </a:t>
-            </a:r>
-          </a:p>
-          <a:p>
-            <a:pPr marL="829818" lvl="1" indent="-342900"/>
-            <a:r>
-              <a:rPr lang="en-US" sz="2400" dirty="0"/>
-              <a:t>Visual Simulation and/or Object-Oriented Simulation</a:t>
+              <a:t>What types of advanced planning and prediction might be useful in mitigating such disruptions?</a:t>
             </a:r>
           </a:p>
         </p:txBody>
@@ -22316,7 +22216,7 @@
     </p:spTree>
     <p:extLst>
       <p:ext uri="{BB962C8B-B14F-4D97-AF65-F5344CB8AC3E}">
-        <p14:creationId xmlns:p14="http://schemas.microsoft.com/office/powerpoint/2010/main" val="2410196935"/>
+        <p14:creationId xmlns:p14="http://schemas.microsoft.com/office/powerpoint/2010/main" val="2844916412"/>
       </p:ext>
     </p:extLst>
   </p:cSld>
@@ -22355,7 +22255,7 @@
         </p:nvSpPr>
         <p:spPr>
           <a:xfrm>
-            <a:off x="457200" y="82379"/>
+            <a:off x="457200" y="66675"/>
             <a:ext cx="8153400" cy="553998"/>
           </a:xfrm>
         </p:spPr>
@@ -22366,17 +22266,32 @@
           <a:lstStyle/>
           <a:p>
             <a:r>
-              <a:rPr lang="en-US" sz="3600" dirty="0">
+              <a:rPr lang="en-IN" sz="3600" dirty="0">
                 <a:latin typeface="+mj-lt"/>
               </a:rPr>
-              <a:t>Application Case 8.8</a:t>
-            </a:r>
-          </a:p>
-        </p:txBody>
-      </p:sp>
-      <p:sp>
-        <p:nvSpPr>
-          <p:cNvPr id="4" name="Content Placeholder 2"/>
+              <a:t>Visual Interactive Simulation (</a:t>
+            </a:r>
+            <a:r>
+              <a:rPr lang="en-IN" sz="3600" spc="-450" dirty="0">
+                <a:latin typeface="+mj-lt"/>
+              </a:rPr>
+              <a:t>V I </a:t>
+            </a:r>
+            <a:r>
+              <a:rPr lang="en-IN" sz="3600" dirty="0">
+                <a:latin typeface="+mj-lt"/>
+              </a:rPr>
+              <a:t>S)</a:t>
+            </a:r>
+            <a:endParaRPr lang="en-US" sz="3600" dirty="0">
+              <a:latin typeface="+mj-lt"/>
+            </a:endParaRPr>
+          </a:p>
+        </p:txBody>
+      </p:sp>
+      <p:sp>
+        <p:nvSpPr>
+          <p:cNvPr id="5" name="Content Placeholder 4"/>
           <p:cNvSpPr>
             <a:spLocks noGrp="1"/>
           </p:cNvSpPr>
@@ -22386,8 +22301,8 @@
         </p:nvSpPr>
         <p:spPr>
           <a:xfrm>
-            <a:off x="457200" y="719984"/>
-            <a:ext cx="8153400" cy="861774"/>
+            <a:off x="457200" y="762000"/>
+            <a:ext cx="8153400" cy="3916457"/>
           </a:xfrm>
         </p:spPr>
         <p:txBody>
@@ -22396,94 +22311,55 @@
           </a:bodyPr>
           <a:lstStyle/>
           <a:p>
-            <a:pPr marL="0" lvl="0" indent="0">
-              <a:spcBef>
-                <a:spcPts val="0"/>
-              </a:spcBef>
-              <a:buClr>
-                <a:schemeClr val="lt1"/>
-              </a:buClr>
-              <a:buSzPct val="25000"/>
-              <a:buNone/>
-              <a:tabLst>
-                <a:tab pos="628650" algn="l"/>
-              </a:tabLst>
-            </a:pPr>
-            <a:r>
-              <a:rPr lang="en-US" sz="2800" b="1" dirty="0" err="1">
-                <a:solidFill>
-                  <a:srgbClr val="007FA3"/>
-                </a:solidFill>
-              </a:rPr>
-              <a:t>Cosan</a:t>
-            </a:r>
-            <a:r>
-              <a:rPr lang="en-US" sz="2800" b="1" dirty="0">
-                <a:solidFill>
-                  <a:srgbClr val="007FA3"/>
-                </a:solidFill>
-              </a:rPr>
-              <a:t> Improves Its Renewable Energy Supply Chain Using Simulation</a:t>
-            </a:r>
-            <a:endParaRPr lang="en-US" sz="2800" b="1" dirty="0">
-              <a:solidFill>
-                <a:srgbClr val="007FA3"/>
-              </a:solidFill>
-              <a:latin typeface="+mj-lt"/>
-              <a:ea typeface="+mj-ea"/>
-              <a:cs typeface="Times New Roman" panose="02020603050405020304" pitchFamily="18" charset="0"/>
-            </a:endParaRPr>
-          </a:p>
-        </p:txBody>
-      </p:sp>
-      <p:sp>
-        <p:nvSpPr>
-          <p:cNvPr id="6" name="Content Placeholder 4"/>
-          <p:cNvSpPr>
-            <a:spLocks noGrp="1"/>
-          </p:cNvSpPr>
-          <p:nvPr>
-            <p:ph idx="13"/>
-          </p:nvPr>
-        </p:nvSpPr>
-        <p:spPr>
-          <a:xfrm>
-            <a:off x="457200" y="1752600"/>
-            <a:ext cx="8153400" cy="2600712"/>
-          </a:xfrm>
-        </p:spPr>
-        <p:txBody>
-          <a:bodyPr wrap="square">
-            <a:spAutoFit/>
-          </a:bodyPr>
-          <a:lstStyle/>
-          <a:p>
-            <a:pPr marL="0" indent="0">
-              <a:buNone/>
-            </a:pPr>
-            <a:r>
-              <a:rPr lang="en-US" sz="2400" b="1" dirty="0"/>
-              <a:t>Questions for Discussion:</a:t>
-            </a:r>
-          </a:p>
-          <a:p>
-            <a:pPr marL="457200" indent="-457200">
-              <a:buFont typeface="+mj-lt"/>
-              <a:buAutoNum type="arabicPeriod"/>
-            </a:pPr>
             <a:r>
               <a:rPr lang="en-US" sz="2400" dirty="0"/>
-              <a:t>What type of supply chain disruptions might occur in moving the sugar cane from the field to the production plants to develop sugar and ethanol?</a:t>
-            </a:r>
-          </a:p>
-          <a:p>
-            <a:pPr marL="457200" indent="-457200">
-              <a:buFont typeface="+mj-lt"/>
-              <a:buAutoNum type="arabicPeriod"/>
-            </a:pPr>
+              <a:t>Visual interactive modeling (</a:t>
+            </a:r>
+            <a:r>
+              <a:rPr lang="en-US" sz="2400" spc="-300" dirty="0"/>
+              <a:t>V I </a:t>
+            </a:r>
             <a:r>
               <a:rPr lang="en-US" sz="2400" dirty="0"/>
-              <a:t>What types of advanced planning and prediction might be useful in mitigating such disruptions?</a:t>
+              <a:t>M), also called Visual Interactive Simulation or Visual interactive problem solving</a:t>
+            </a:r>
+          </a:p>
+          <a:p>
+            <a:r>
+              <a:rPr lang="en-US" sz="2400" dirty="0"/>
+              <a:t>Uses computer graphics to present the impact of different management decisions</a:t>
+            </a:r>
+          </a:p>
+          <a:p>
+            <a:r>
+              <a:rPr lang="en-US" sz="2400" dirty="0"/>
+              <a:t>Often integrated with 3G and </a:t>
+            </a:r>
+            <a:r>
+              <a:rPr lang="en-US" sz="2400" spc="-300" dirty="0"/>
+              <a:t>G I </a:t>
+            </a:r>
+            <a:r>
+              <a:rPr lang="en-US" sz="2400" dirty="0"/>
+              <a:t>S </a:t>
+            </a:r>
+          </a:p>
+          <a:p>
+            <a:r>
+              <a:rPr lang="en-US" sz="2400" dirty="0"/>
+              <a:t>Users can perform sensitivity analysis</a:t>
+            </a:r>
+          </a:p>
+          <a:p>
+            <a:r>
+              <a:rPr lang="en-US" sz="2400" dirty="0"/>
+              <a:t>Static or dynamic (animation) systems</a:t>
+            </a:r>
+          </a:p>
+          <a:p>
+            <a:r>
+              <a:rPr lang="en-US" sz="2400" dirty="0"/>
+              <a:t>Virtual reality, immersive, …</a:t>
             </a:r>
           </a:p>
         </p:txBody>
@@ -22491,7 +22367,7 @@
     </p:spTree>
     <p:extLst>
       <p:ext uri="{BB962C8B-B14F-4D97-AF65-F5344CB8AC3E}">
-        <p14:creationId xmlns:p14="http://schemas.microsoft.com/office/powerpoint/2010/main" val="2844916412"/>
+        <p14:creationId xmlns:p14="http://schemas.microsoft.com/office/powerpoint/2010/main" val="2410196935"/>
       </p:ext>
     </p:extLst>
   </p:cSld>
@@ -22544,19 +22420,7 @@
               <a:rPr lang="en-IN" sz="3600" dirty="0">
                 <a:latin typeface="+mj-lt"/>
               </a:rPr>
-              <a:t>Visual Interactive Simulation (</a:t>
-            </a:r>
-            <a:r>
-              <a:rPr lang="en-IN" sz="3600" spc="-450" dirty="0">
-                <a:latin typeface="+mj-lt"/>
-              </a:rPr>
-              <a:t>V I </a:t>
-            </a:r>
-            <a:r>
-              <a:rPr lang="en-IN" sz="3600" dirty="0">
-                <a:latin typeface="+mj-lt"/>
-              </a:rPr>
-              <a:t>S)</a:t>
+              <a:t>Simulation Software</a:t>
             </a:r>
             <a:endParaRPr lang="en-US" sz="3600" dirty="0">
               <a:latin typeface="+mj-lt"/>
@@ -22577,7 +22441,7 @@
         <p:spPr>
           <a:xfrm>
             <a:off x="457200" y="762000"/>
-            <a:ext cx="8153400" cy="3916457"/>
+            <a:ext cx="8153400" cy="4285789"/>
           </a:xfrm>
         </p:spPr>
         <p:txBody>
@@ -22588,53 +22452,82 @@
           <a:p>
             <a:r>
               <a:rPr lang="en-US" sz="2400" dirty="0"/>
-              <a:t>Visual interactive modeling (</a:t>
+              <a:t>Stand-alone desktop simulation tools </a:t>
+            </a:r>
+          </a:p>
+          <a:p>
+            <a:r>
+              <a:rPr lang="en-US" sz="2400" dirty="0"/>
+              <a:t>Web-based simulation tools</a:t>
+            </a:r>
+          </a:p>
+          <a:p>
+            <a:r>
+              <a:rPr lang="en-US" sz="2400" dirty="0"/>
+              <a:t>See </a:t>
             </a:r>
             <a:r>
               <a:rPr lang="en-US" sz="2400" spc="-300" dirty="0"/>
-              <a:t>V I </a:t>
+              <a:t>O </a:t>
             </a:r>
             <a:r>
               <a:rPr lang="en-US" sz="2400" dirty="0"/>
-              <a:t>M), also called Visual Interactive Simulation or Visual interactive problem solving</a:t>
-            </a:r>
-          </a:p>
-          <a:p>
+              <a:t>R/</a:t>
+            </a:r>
+            <a:r>
+              <a:rPr lang="en-US" sz="2400" spc="-300" dirty="0"/>
+              <a:t>M </a:t>
+            </a:r>
             <a:r>
               <a:rPr lang="en-US" sz="2400" dirty="0"/>
-              <a:t>Uses computer graphics to present the impact of different management decisions</a:t>
+              <a:t>S Today for software reviews</a:t>
             </a:r>
           </a:p>
           <a:p>
             <a:r>
               <a:rPr lang="en-US" sz="2400" dirty="0"/>
-              <a:t>Often integrated with 3G and </a:t>
-            </a:r>
+              <a:t>Examples:</a:t>
+            </a:r>
+          </a:p>
+          <a:p>
+            <a:pPr marL="829818" lvl="1" indent="-342900"/>
+            <a:r>
+              <a:rPr lang="en-US" sz="2400" dirty="0" err="1"/>
+              <a:t>Simio</a:t>
+            </a:r>
+            <a:endParaRPr lang="en-US" sz="2400" dirty="0"/>
+          </a:p>
+          <a:p>
+            <a:pPr marL="829818" lvl="1" indent="-342900"/>
+            <a:r>
+              <a:rPr lang="en-US" sz="2400" dirty="0"/>
+              <a:t>Arena</a:t>
+            </a:r>
+          </a:p>
+          <a:p>
+            <a:pPr marL="829818" lvl="1" indent="-342900"/>
+            <a:r>
+              <a:rPr lang="en-US" sz="2400" dirty="0" err="1"/>
+              <a:t>ExtendSim</a:t>
+            </a:r>
+            <a:endParaRPr lang="en-US" sz="2400" dirty="0"/>
+          </a:p>
+          <a:p>
+            <a:pPr marL="829818" lvl="1" indent="-342900"/>
             <a:r>
               <a:rPr lang="en-US" sz="2400" spc="-300" dirty="0"/>
-              <a:t>G I </a:t>
+              <a:t>S A </a:t>
             </a:r>
             <a:r>
               <a:rPr lang="en-US" sz="2400" dirty="0"/>
-              <a:t>S </a:t>
-            </a:r>
-          </a:p>
-          <a:p>
+              <a:t>S Simulation Studio </a:t>
+            </a:r>
+          </a:p>
+          <a:p>
+            <a:pPr marL="829818" lvl="1" indent="-342900"/>
             <a:r>
               <a:rPr lang="en-US" sz="2400" dirty="0"/>
-              <a:t>Users can perform sensitivity analysis</a:t>
-            </a:r>
-          </a:p>
-          <a:p>
-            <a:r>
-              <a:rPr lang="en-US" sz="2400" dirty="0"/>
-              <a:t>Static or dynamic (animation) systems</a:t>
-            </a:r>
-          </a:p>
-          <a:p>
-            <a:r>
-              <a:rPr lang="en-US" sz="2400" dirty="0"/>
-              <a:t>Virtual reality, immersive, …</a:t>
+              <a:t>…</a:t>
             </a:r>
           </a:p>
         </p:txBody>
@@ -22681,174 +22574,6 @@
         </p:nvSpPr>
         <p:spPr>
           <a:xfrm>
-            <a:off x="457200" y="66675"/>
-            <a:ext cx="8153400" cy="553998"/>
-          </a:xfrm>
-        </p:spPr>
-        <p:txBody>
-          <a:bodyPr wrap="square">
-            <a:spAutoFit/>
-          </a:bodyPr>
-          <a:lstStyle/>
-          <a:p>
-            <a:r>
-              <a:rPr lang="en-IN" sz="3600" dirty="0">
-                <a:latin typeface="+mj-lt"/>
-              </a:rPr>
-              <a:t>Simulation Software</a:t>
-            </a:r>
-            <a:endParaRPr lang="en-US" sz="3600" dirty="0">
-              <a:latin typeface="+mj-lt"/>
-            </a:endParaRPr>
-          </a:p>
-        </p:txBody>
-      </p:sp>
-      <p:sp>
-        <p:nvSpPr>
-          <p:cNvPr id="5" name="Content Placeholder 4"/>
-          <p:cNvSpPr>
-            <a:spLocks noGrp="1"/>
-          </p:cNvSpPr>
-          <p:nvPr>
-            <p:ph idx="13"/>
-          </p:nvPr>
-        </p:nvSpPr>
-        <p:spPr>
-          <a:xfrm>
-            <a:off x="457200" y="762000"/>
-            <a:ext cx="8153400" cy="4285789"/>
-          </a:xfrm>
-        </p:spPr>
-        <p:txBody>
-          <a:bodyPr wrap="square">
-            <a:spAutoFit/>
-          </a:bodyPr>
-          <a:lstStyle/>
-          <a:p>
-            <a:r>
-              <a:rPr lang="en-US" sz="2400" dirty="0"/>
-              <a:t>Stand-alone desktop simulation tools </a:t>
-            </a:r>
-          </a:p>
-          <a:p>
-            <a:r>
-              <a:rPr lang="en-US" sz="2400" dirty="0"/>
-              <a:t>Web-based simulation tools</a:t>
-            </a:r>
-          </a:p>
-          <a:p>
-            <a:r>
-              <a:rPr lang="en-US" sz="2400" dirty="0"/>
-              <a:t>See </a:t>
-            </a:r>
-            <a:r>
-              <a:rPr lang="en-US" sz="2400" spc="-300" dirty="0"/>
-              <a:t>O </a:t>
-            </a:r>
-            <a:r>
-              <a:rPr lang="en-US" sz="2400" dirty="0"/>
-              <a:t>R/</a:t>
-            </a:r>
-            <a:r>
-              <a:rPr lang="en-US" sz="2400" spc="-300" dirty="0"/>
-              <a:t>M </a:t>
-            </a:r>
-            <a:r>
-              <a:rPr lang="en-US" sz="2400" dirty="0"/>
-              <a:t>S Today for software reviews</a:t>
-            </a:r>
-          </a:p>
-          <a:p>
-            <a:r>
-              <a:rPr lang="en-US" sz="2400" dirty="0"/>
-              <a:t>Examples:</a:t>
-            </a:r>
-          </a:p>
-          <a:p>
-            <a:pPr marL="829818" lvl="1" indent="-342900"/>
-            <a:r>
-              <a:rPr lang="en-US" sz="2400" dirty="0" err="1"/>
-              <a:t>Simio</a:t>
-            </a:r>
-            <a:endParaRPr lang="en-US" sz="2400" dirty="0"/>
-          </a:p>
-          <a:p>
-            <a:pPr marL="829818" lvl="1" indent="-342900"/>
-            <a:r>
-              <a:rPr lang="en-US" sz="2400" dirty="0"/>
-              <a:t>Arena</a:t>
-            </a:r>
-          </a:p>
-          <a:p>
-            <a:pPr marL="829818" lvl="1" indent="-342900"/>
-            <a:r>
-              <a:rPr lang="en-US" sz="2400" dirty="0" err="1"/>
-              <a:t>ExtendSim</a:t>
-            </a:r>
-            <a:endParaRPr lang="en-US" sz="2400" dirty="0"/>
-          </a:p>
-          <a:p>
-            <a:pPr marL="829818" lvl="1" indent="-342900"/>
-            <a:r>
-              <a:rPr lang="en-US" sz="2400" spc="-300" dirty="0"/>
-              <a:t>S A </a:t>
-            </a:r>
-            <a:r>
-              <a:rPr lang="en-US" sz="2400" dirty="0"/>
-              <a:t>S Simulation Studio </a:t>
-            </a:r>
-          </a:p>
-          <a:p>
-            <a:pPr marL="829818" lvl="1" indent="-342900"/>
-            <a:r>
-              <a:rPr lang="en-US" sz="2400" dirty="0"/>
-              <a:t>…</a:t>
-            </a:r>
-          </a:p>
-        </p:txBody>
-      </p:sp>
-    </p:spTree>
-    <p:extLst>
-      <p:ext uri="{BB962C8B-B14F-4D97-AF65-F5344CB8AC3E}">
-        <p14:creationId xmlns:p14="http://schemas.microsoft.com/office/powerpoint/2010/main" val="2410196935"/>
-      </p:ext>
-    </p:extLst>
-  </p:cSld>
-  <p:clrMapOvr>
-    <a:masterClrMapping/>
-  </p:clrMapOvr>
-</p:sld>
-</file>
-
-<file path=ppt/slides/slide47.xml><?xml version="1.0" encoding="utf-8"?>
-<p:sld xmlns:a="http://schemas.openxmlformats.org/drawingml/2006/main" xmlns:r="http://schemas.openxmlformats.org/officeDocument/2006/relationships" xmlns:p="http://schemas.openxmlformats.org/presentationml/2006/main">
-  <p:cSld>
-    <p:spTree>
-      <p:nvGrpSpPr>
-        <p:cNvPr id="1" name=""/>
-        <p:cNvGrpSpPr/>
-        <p:nvPr/>
-      </p:nvGrpSpPr>
-      <p:grpSpPr>
-        <a:xfrm>
-          <a:off x="0" y="0"/>
-          <a:ext cx="0" cy="0"/>
-          <a:chOff x="0" y="0"/>
-          <a:chExt cx="0" cy="0"/>
-        </a:xfrm>
-      </p:grpSpPr>
-      <p:sp>
-        <p:nvSpPr>
-          <p:cNvPr id="2" name="Title 1"/>
-          <p:cNvSpPr>
-            <a:spLocks noGrp="1"/>
-          </p:cNvSpPr>
-          <p:nvPr>
-            <p:ph type="title"/>
-          </p:nvPr>
-        </p:nvSpPr>
-        <p:spPr>
-          <a:xfrm>
             <a:off x="457200" y="72854"/>
             <a:ext cx="8153400" cy="553998"/>
           </a:xfrm>
@@ -23029,7 +22754,7 @@
 </p:sld>
 </file>
 
-<file path=ppt/slides/slide48.xml><?xml version="1.0" encoding="utf-8"?>
+<file path=ppt/slides/slide47.xml><?xml version="1.0" encoding="utf-8"?>
 <p:sld xmlns:a="http://schemas.openxmlformats.org/drawingml/2006/main" xmlns:r="http://schemas.openxmlformats.org/officeDocument/2006/relationships" xmlns:p="http://schemas.openxmlformats.org/presentationml/2006/main">
   <p:cSld>
     <p:spTree>
@@ -23252,7 +22977,7 @@
 </p:sld>
 </file>
 
-<file path=ppt/slides/slide49.xml><?xml version="1.0" encoding="utf-8"?>
+<file path=ppt/slides/slide48.xml><?xml version="1.0" encoding="utf-8"?>
 <p:sld xmlns:a="http://schemas.openxmlformats.org/drawingml/2006/main" xmlns:r="http://schemas.openxmlformats.org/officeDocument/2006/relationships" xmlns:p="http://schemas.openxmlformats.org/presentationml/2006/main">
   <p:cSld>
     <p:spTree>
@@ -23508,195 +23233,7 @@
 </p:sld>
 </file>
 
-<file path=ppt/slides/slide5.xml><?xml version="1.0" encoding="utf-8"?>
-<p:sld xmlns:a="http://schemas.openxmlformats.org/drawingml/2006/main" xmlns:r="http://schemas.openxmlformats.org/officeDocument/2006/relationships" xmlns:p="http://schemas.openxmlformats.org/presentationml/2006/main">
-  <p:cSld>
-    <p:spTree>
-      <p:nvGrpSpPr>
-        <p:cNvPr id="1" name=""/>
-        <p:cNvGrpSpPr/>
-        <p:nvPr/>
-      </p:nvGrpSpPr>
-      <p:grpSpPr>
-        <a:xfrm>
-          <a:off x="0" y="0"/>
-          <a:ext cx="0" cy="0"/>
-          <a:chOff x="0" y="0"/>
-          <a:chExt cx="0" cy="0"/>
-        </a:xfrm>
-      </p:grpSpPr>
-      <p:sp>
-        <p:nvSpPr>
-          <p:cNvPr id="2" name="Title 1"/>
-          <p:cNvSpPr>
-            <a:spLocks noGrp="1"/>
-          </p:cNvSpPr>
-          <p:nvPr>
-            <p:ph type="title"/>
-          </p:nvPr>
-        </p:nvSpPr>
-        <p:spPr>
-          <a:xfrm>
-            <a:off x="457200" y="82379"/>
-            <a:ext cx="8153400" cy="553998"/>
-          </a:xfrm>
-        </p:spPr>
-        <p:txBody>
-          <a:bodyPr wrap="square">
-            <a:spAutoFit/>
-          </a:bodyPr>
-          <a:lstStyle/>
-          <a:p>
-            <a:r>
-              <a:rPr lang="en-US" sz="3600" dirty="0">
-                <a:latin typeface="+mj-lt"/>
-              </a:rPr>
-              <a:t>Application Case 8.1</a:t>
-            </a:r>
-            <a:endParaRPr lang="en-US" sz="2800" dirty="0">
-              <a:latin typeface="+mj-lt"/>
-            </a:endParaRPr>
-          </a:p>
-        </p:txBody>
-      </p:sp>
-      <p:sp>
-        <p:nvSpPr>
-          <p:cNvPr id="3" name="Content Placeholder 2"/>
-          <p:cNvSpPr>
-            <a:spLocks noGrp="1"/>
-          </p:cNvSpPr>
-          <p:nvPr>
-            <p:ph idx="1"/>
-          </p:nvPr>
-        </p:nvSpPr>
-        <p:spPr>
-          <a:xfrm>
-            <a:off x="457200" y="714375"/>
-            <a:ext cx="8153400" cy="861774"/>
-          </a:xfrm>
-        </p:spPr>
-        <p:txBody>
-          <a:bodyPr wrap="square">
-            <a:spAutoFit/>
-          </a:bodyPr>
-          <a:lstStyle/>
-          <a:p>
-            <a:pPr marL="0" lvl="0" indent="0">
-              <a:spcBef>
-                <a:spcPts val="0"/>
-              </a:spcBef>
-              <a:buClr>
-                <a:schemeClr val="lt1"/>
-              </a:buClr>
-              <a:buSzPct val="25000"/>
-              <a:buNone/>
-              <a:tabLst>
-                <a:tab pos="628650" algn="l"/>
-              </a:tabLst>
-            </a:pPr>
-            <a:r>
-              <a:rPr lang="en-US" sz="2800" b="1" dirty="0">
-                <a:solidFill>
-                  <a:srgbClr val="007FA3"/>
-                </a:solidFill>
-              </a:rPr>
-              <a:t>Canadian Football League Optimizes Game Schedule</a:t>
-            </a:r>
-            <a:endParaRPr lang="en-US" sz="2800" b="1" dirty="0">
-              <a:solidFill>
-                <a:srgbClr val="007FA3"/>
-              </a:solidFill>
-              <a:latin typeface="+mj-lt"/>
-              <a:ea typeface="+mj-ea"/>
-              <a:cs typeface="Times New Roman" panose="02020603050405020304" pitchFamily="18" charset="0"/>
-            </a:endParaRPr>
-          </a:p>
-        </p:txBody>
-      </p:sp>
-      <p:sp>
-        <p:nvSpPr>
-          <p:cNvPr id="5" name="Content Placeholder 4"/>
-          <p:cNvSpPr>
-            <a:spLocks noGrp="1"/>
-          </p:cNvSpPr>
-          <p:nvPr>
-            <p:ph idx="13"/>
-          </p:nvPr>
-        </p:nvSpPr>
-        <p:spPr>
-          <a:xfrm>
-            <a:off x="457200" y="1750087"/>
-            <a:ext cx="8153400" cy="3901068"/>
-          </a:xfrm>
-        </p:spPr>
-        <p:txBody>
-          <a:bodyPr wrap="square">
-            <a:spAutoFit/>
-          </a:bodyPr>
-          <a:lstStyle/>
-          <a:p>
-            <a:pPr marL="0" indent="0">
-              <a:buNone/>
-            </a:pPr>
-            <a:r>
-              <a:rPr lang="en-US" sz="2400" b="1" dirty="0"/>
-              <a:t>Questions for Discussion:</a:t>
-            </a:r>
-          </a:p>
-          <a:p>
-            <a:pPr marL="457200" indent="-457200">
-              <a:buFont typeface="+mj-lt"/>
-              <a:buAutoNum type="arabicPeriod"/>
-            </a:pPr>
-            <a:r>
-              <a:rPr lang="en-US" sz="2400" dirty="0"/>
-              <a:t>List three ways in which Solver-based scheduling of games could result in more revenue as compared to the manual scheduling.</a:t>
-            </a:r>
-          </a:p>
-          <a:p>
-            <a:pPr marL="457200" indent="-457200">
-              <a:buFont typeface="+mj-lt"/>
-              <a:buAutoNum type="arabicPeriod"/>
-            </a:pPr>
-            <a:r>
-              <a:rPr lang="en-US" sz="2400" dirty="0"/>
-              <a:t>In what other ways can </a:t>
-            </a:r>
-            <a:r>
-              <a:rPr lang="en-US" sz="2400" spc="-300" dirty="0"/>
-              <a:t>C F </a:t>
-            </a:r>
-            <a:r>
-              <a:rPr lang="en-US" sz="2400" dirty="0"/>
-              <a:t>L leverage the Solver software to expand and enhance their other business operations?</a:t>
-            </a:r>
-          </a:p>
-          <a:p>
-            <a:pPr marL="457200" indent="-457200">
-              <a:buFont typeface="+mj-lt"/>
-              <a:buAutoNum type="arabicPeriod"/>
-            </a:pPr>
-            <a:r>
-              <a:rPr lang="en-US" sz="2400" dirty="0"/>
-              <a:t>What other considerations could be important in scheduling such games?</a:t>
-            </a:r>
-          </a:p>
-        </p:txBody>
-      </p:sp>
-    </p:spTree>
-    <p:extLst>
-      <p:ext uri="{BB962C8B-B14F-4D97-AF65-F5344CB8AC3E}">
-        <p14:creationId xmlns:p14="http://schemas.microsoft.com/office/powerpoint/2010/main" val="3621960744"/>
-      </p:ext>
-    </p:extLst>
-  </p:cSld>
-  <p:clrMapOvr>
-    <a:masterClrMapping/>
-  </p:clrMapOvr>
-</p:sld>
-</file>
-
-<file path=ppt/slides/slide50.xml><?xml version="1.0" encoding="utf-8"?>
+<file path=ppt/slides/slide49.xml><?xml version="1.0" encoding="utf-8"?>
 <p:sld xmlns:a="http://schemas.openxmlformats.org/drawingml/2006/main" xmlns:r="http://schemas.openxmlformats.org/officeDocument/2006/relationships" xmlns:p="http://schemas.openxmlformats.org/presentationml/2006/main">
   <p:cSld>
     <p:spTree>
@@ -23918,7 +23455,195 @@
 </p:sld>
 </file>
 
-<file path=ppt/slides/slide51.xml><?xml version="1.0" encoding="utf-8"?>
+<file path=ppt/slides/slide5.xml><?xml version="1.0" encoding="utf-8"?>
+<p:sld xmlns:a="http://schemas.openxmlformats.org/drawingml/2006/main" xmlns:r="http://schemas.openxmlformats.org/officeDocument/2006/relationships" xmlns:p="http://schemas.openxmlformats.org/presentationml/2006/main">
+  <p:cSld>
+    <p:spTree>
+      <p:nvGrpSpPr>
+        <p:cNvPr id="1" name=""/>
+        <p:cNvGrpSpPr/>
+        <p:nvPr/>
+      </p:nvGrpSpPr>
+      <p:grpSpPr>
+        <a:xfrm>
+          <a:off x="0" y="0"/>
+          <a:ext cx="0" cy="0"/>
+          <a:chOff x="0" y="0"/>
+          <a:chExt cx="0" cy="0"/>
+        </a:xfrm>
+      </p:grpSpPr>
+      <p:sp>
+        <p:nvSpPr>
+          <p:cNvPr id="2" name="Title 1"/>
+          <p:cNvSpPr>
+            <a:spLocks noGrp="1"/>
+          </p:cNvSpPr>
+          <p:nvPr>
+            <p:ph type="title"/>
+          </p:nvPr>
+        </p:nvSpPr>
+        <p:spPr>
+          <a:xfrm>
+            <a:off x="457200" y="82379"/>
+            <a:ext cx="8153400" cy="553998"/>
+          </a:xfrm>
+        </p:spPr>
+        <p:txBody>
+          <a:bodyPr wrap="square">
+            <a:spAutoFit/>
+          </a:bodyPr>
+          <a:lstStyle/>
+          <a:p>
+            <a:r>
+              <a:rPr lang="en-US" sz="3600" dirty="0">
+                <a:latin typeface="+mj-lt"/>
+              </a:rPr>
+              <a:t>Application Case 8.1</a:t>
+            </a:r>
+            <a:endParaRPr lang="en-US" sz="2800" dirty="0">
+              <a:latin typeface="+mj-lt"/>
+            </a:endParaRPr>
+          </a:p>
+        </p:txBody>
+      </p:sp>
+      <p:sp>
+        <p:nvSpPr>
+          <p:cNvPr id="3" name="Content Placeholder 2"/>
+          <p:cNvSpPr>
+            <a:spLocks noGrp="1"/>
+          </p:cNvSpPr>
+          <p:nvPr>
+            <p:ph idx="1"/>
+          </p:nvPr>
+        </p:nvSpPr>
+        <p:spPr>
+          <a:xfrm>
+            <a:off x="457200" y="714375"/>
+            <a:ext cx="8153400" cy="861774"/>
+          </a:xfrm>
+        </p:spPr>
+        <p:txBody>
+          <a:bodyPr wrap="square">
+            <a:spAutoFit/>
+          </a:bodyPr>
+          <a:lstStyle/>
+          <a:p>
+            <a:pPr marL="0" lvl="0" indent="0">
+              <a:spcBef>
+                <a:spcPts val="0"/>
+              </a:spcBef>
+              <a:buClr>
+                <a:schemeClr val="lt1"/>
+              </a:buClr>
+              <a:buSzPct val="25000"/>
+              <a:buNone/>
+              <a:tabLst>
+                <a:tab pos="628650" algn="l"/>
+              </a:tabLst>
+            </a:pPr>
+            <a:r>
+              <a:rPr lang="en-US" sz="2800" b="1" dirty="0">
+                <a:solidFill>
+                  <a:srgbClr val="007FA3"/>
+                </a:solidFill>
+              </a:rPr>
+              <a:t>Canadian Football League Optimizes Game Schedule</a:t>
+            </a:r>
+            <a:endParaRPr lang="en-US" sz="2800" b="1" dirty="0">
+              <a:solidFill>
+                <a:srgbClr val="007FA3"/>
+              </a:solidFill>
+              <a:latin typeface="+mj-lt"/>
+              <a:ea typeface="+mj-ea"/>
+              <a:cs typeface="Times New Roman" panose="02020603050405020304" pitchFamily="18" charset="0"/>
+            </a:endParaRPr>
+          </a:p>
+        </p:txBody>
+      </p:sp>
+      <p:sp>
+        <p:nvSpPr>
+          <p:cNvPr id="5" name="Content Placeholder 4"/>
+          <p:cNvSpPr>
+            <a:spLocks noGrp="1"/>
+          </p:cNvSpPr>
+          <p:nvPr>
+            <p:ph idx="13"/>
+          </p:nvPr>
+        </p:nvSpPr>
+        <p:spPr>
+          <a:xfrm>
+            <a:off x="457200" y="1750087"/>
+            <a:ext cx="8153400" cy="3901068"/>
+          </a:xfrm>
+        </p:spPr>
+        <p:txBody>
+          <a:bodyPr wrap="square">
+            <a:spAutoFit/>
+          </a:bodyPr>
+          <a:lstStyle/>
+          <a:p>
+            <a:pPr marL="0" indent="0">
+              <a:buNone/>
+            </a:pPr>
+            <a:r>
+              <a:rPr lang="en-US" sz="2400" b="1" dirty="0"/>
+              <a:t>Questions for Discussion:</a:t>
+            </a:r>
+          </a:p>
+          <a:p>
+            <a:pPr marL="457200" indent="-457200">
+              <a:buFont typeface="+mj-lt"/>
+              <a:buAutoNum type="arabicPeriod"/>
+            </a:pPr>
+            <a:r>
+              <a:rPr lang="en-US" sz="2400" dirty="0"/>
+              <a:t>List three ways in which Solver-based scheduling of games could result in more revenue as compared to the manual scheduling.</a:t>
+            </a:r>
+          </a:p>
+          <a:p>
+            <a:pPr marL="457200" indent="-457200">
+              <a:buFont typeface="+mj-lt"/>
+              <a:buAutoNum type="arabicPeriod"/>
+            </a:pPr>
+            <a:r>
+              <a:rPr lang="en-US" sz="2400" dirty="0"/>
+              <a:t>In what other ways can </a:t>
+            </a:r>
+            <a:r>
+              <a:rPr lang="en-US" sz="2400" spc="-300" dirty="0"/>
+              <a:t>C F </a:t>
+            </a:r>
+            <a:r>
+              <a:rPr lang="en-US" sz="2400" dirty="0"/>
+              <a:t>L leverage the Solver software to expand and enhance their other business operations?</a:t>
+            </a:r>
+          </a:p>
+          <a:p>
+            <a:pPr marL="457200" indent="-457200">
+              <a:buFont typeface="+mj-lt"/>
+              <a:buAutoNum type="arabicPeriod"/>
+            </a:pPr>
+            <a:r>
+              <a:rPr lang="en-US" sz="2400" dirty="0"/>
+              <a:t>What other considerations could be important in scheduling such games?</a:t>
+            </a:r>
+          </a:p>
+        </p:txBody>
+      </p:sp>
+    </p:spTree>
+    <p:extLst>
+      <p:ext uri="{BB962C8B-B14F-4D97-AF65-F5344CB8AC3E}">
+        <p14:creationId xmlns:p14="http://schemas.microsoft.com/office/powerpoint/2010/main" val="3621960744"/>
+      </p:ext>
+    </p:extLst>
+  </p:cSld>
+  <p:clrMapOvr>
+    <a:masterClrMapping/>
+  </p:clrMapOvr>
+</p:sld>
+</file>
+
+<file path=ppt/slides/slide50.xml><?xml version="1.0" encoding="utf-8"?>
 <p:sld xmlns:a="http://schemas.openxmlformats.org/drawingml/2006/main" xmlns:r="http://schemas.openxmlformats.org/officeDocument/2006/relationships" xmlns:p="http://schemas.openxmlformats.org/presentationml/2006/main">
   <p:cSld>
     <p:spTree>
@@ -24182,7 +23907,7 @@
 </p:sld>
 </file>
 
-<file path=ppt/slides/slide52.xml><?xml version="1.0" encoding="utf-8"?>
+<file path=ppt/slides/slide51.xml><?xml version="1.0" encoding="utf-8"?>
 <p:sld xmlns:a="http://schemas.openxmlformats.org/drawingml/2006/main" xmlns:r="http://schemas.openxmlformats.org/officeDocument/2006/relationships" xmlns:p="http://schemas.openxmlformats.org/presentationml/2006/main">
   <p:cSld>
     <p:spTree>
@@ -24283,7 +24008,7 @@
 </p:sld>
 </file>
 
-<file path=ppt/slides/slide53.xml><?xml version="1.0" encoding="utf-8"?>
+<file path=ppt/slides/slide52.xml><?xml version="1.0" encoding="utf-8"?>
 <p:sld xmlns:a="http://schemas.openxmlformats.org/drawingml/2006/main" xmlns:r="http://schemas.openxmlformats.org/officeDocument/2006/relationships" xmlns:p="http://schemas.openxmlformats.org/presentationml/2006/main">
   <p:cSld>
     <p:spTree>
